--- a/Шаблон_Авиахакатон_2021.pptx
+++ b/Шаблон_Авиахакатон_2021.pptx
@@ -6,7 +6,7 @@
     <p:sldMasterId id="2147483671" r:id="rId2"/>
   </p:sldMasterIdLst>
   <p:notesMasterIdLst>
-    <p:notesMasterId r:id="rId13"/>
+    <p:notesMasterId r:id="rId12"/>
   </p:notesMasterIdLst>
   <p:sldIdLst>
     <p:sldId id="258" r:id="rId3"/>
@@ -16,38 +16,37 @@
     <p:sldId id="267" r:id="rId7"/>
     <p:sldId id="263" r:id="rId8"/>
     <p:sldId id="262" r:id="rId9"/>
-    <p:sldId id="264" r:id="rId10"/>
-    <p:sldId id="265" r:id="rId11"/>
-    <p:sldId id="266" r:id="rId12"/>
+    <p:sldId id="265" r:id="rId10"/>
+    <p:sldId id="266" r:id="rId11"/>
   </p:sldIdLst>
   <p:sldSz cx="9144000" cy="5143500" type="screen16x9"/>
   <p:notesSz cx="6858000" cy="9144000"/>
   <p:embeddedFontLst>
     <p:embeddedFont>
-      <p:font typeface="Roboto" panose="020B0604020202020204" charset="0"/>
-      <p:regular r:id="rId14"/>
-      <p:bold r:id="rId15"/>
-      <p:italic r:id="rId16"/>
-      <p:boldItalic r:id="rId17"/>
+      <p:font typeface="Quattrocento Sans" panose="020B0604020202020204" charset="0"/>
+      <p:regular r:id="rId13"/>
+      <p:bold r:id="rId14"/>
+      <p:italic r:id="rId15"/>
+      <p:boldItalic r:id="rId16"/>
     </p:embeddedFont>
     <p:embeddedFont>
       <p:font typeface="Gill Sans" panose="020B0604020202020204" charset="0"/>
-      <p:regular r:id="rId18"/>
-      <p:bold r:id="rId19"/>
-    </p:embeddedFont>
-    <p:embeddedFont>
-      <p:font typeface="Quattrocento Sans" panose="020B0604020202020204" charset="0"/>
-      <p:regular r:id="rId20"/>
-      <p:bold r:id="rId21"/>
-      <p:italic r:id="rId22"/>
-      <p:boldItalic r:id="rId23"/>
+      <p:regular r:id="rId17"/>
+      <p:bold r:id="rId18"/>
     </p:embeddedFont>
     <p:embeddedFont>
       <p:font typeface="Calibri" panose="020F0502020204030204" pitchFamily="34" charset="0"/>
-      <p:regular r:id="rId24"/>
-      <p:bold r:id="rId25"/>
-      <p:italic r:id="rId26"/>
-      <p:boldItalic r:id="rId27"/>
+      <p:regular r:id="rId19"/>
+      <p:bold r:id="rId20"/>
+      <p:italic r:id="rId21"/>
+      <p:boldItalic r:id="rId22"/>
+    </p:embeddedFont>
+    <p:embeddedFont>
+      <p:font typeface="Roboto" panose="020B0604020202020204" charset="0"/>
+      <p:regular r:id="rId23"/>
+      <p:bold r:id="rId24"/>
+      <p:italic r:id="rId25"/>
+      <p:boldItalic r:id="rId26"/>
     </p:embeddedFont>
   </p:embeddedFontLst>
   <p:defaultTextStyle>
@@ -281,7 +280,7 @@
   </p:defaultTextStyle>
   <p:extLst>
     <p:ext uri="{EFAFB233-063F-42B5-8137-9DF3F51BA10A}">
-      <p15:sldGuideLst xmlns="" xmlns:p15="http://schemas.microsoft.com/office/powerpoint/2012/main">
+      <p15:sldGuideLst xmlns:p15="http://schemas.microsoft.com/office/powerpoint/2012/main" xmlns="">
         <p15:guide id="1" orient="horz" pos="1620">
           <p15:clr>
             <a:srgbClr val="A4A3A4"/>
@@ -848,7 +847,735 @@
 </p:notes>
 </file>
 
-<file path=ppt/notesSlides/notesSlide10.xml><?xml version="1.0" encoding="utf-8"?>
+<file path=ppt/notesSlides/notesSlide2.xml><?xml version="1.0" encoding="utf-8"?>
+<p:notes xmlns:a="http://schemas.openxmlformats.org/drawingml/2006/main" xmlns:r="http://schemas.openxmlformats.org/officeDocument/2006/relationships" xmlns:p="http://schemas.openxmlformats.org/presentationml/2006/main" showMasterSp="0" showMasterPhAnim="0">
+  <p:cSld>
+    <p:spTree>
+      <p:nvGrpSpPr>
+        <p:cNvPr id="1" name="Shape 147"/>
+        <p:cNvGrpSpPr/>
+        <p:nvPr/>
+      </p:nvGrpSpPr>
+      <p:grpSpPr>
+        <a:xfrm>
+          <a:off x="0" y="0"/>
+          <a:ext cx="0" cy="0"/>
+          <a:chOff x="0" y="0"/>
+          <a:chExt cx="0" cy="0"/>
+        </a:xfrm>
+      </p:grpSpPr>
+      <p:sp>
+        <p:nvSpPr>
+          <p:cNvPr id="148" name="Google Shape;148;g7791ec946c_0_35:notes"/>
+          <p:cNvSpPr txBox="1">
+            <a:spLocks noGrp="1"/>
+          </p:cNvSpPr>
+          <p:nvPr>
+            <p:ph type="body" idx="1"/>
+          </p:nvPr>
+        </p:nvSpPr>
+        <p:spPr>
+          <a:xfrm>
+            <a:off x="685800" y="4400550"/>
+            <a:ext cx="5486400" cy="3600600"/>
+          </a:xfrm>
+          <a:prstGeom prst="rect">
+            <a:avLst/>
+          </a:prstGeom>
+        </p:spPr>
+        <p:txBody>
+          <a:bodyPr spcFirstLastPara="1" wrap="square" lIns="91425" tIns="91425" rIns="91425" bIns="91425" anchor="t" anchorCtr="0">
+            <a:noAutofit/>
+          </a:bodyPr>
+          <a:lstStyle/>
+          <a:p>
+            <a:pPr marL="0" lvl="0" indent="0" algn="l" rtl="0">
+              <a:spcBef>
+                <a:spcPts val="0"/>
+              </a:spcBef>
+              <a:spcAft>
+                <a:spcPts val="0"/>
+              </a:spcAft>
+              <a:buNone/>
+            </a:pPr>
+            <a:endParaRPr/>
+          </a:p>
+        </p:txBody>
+      </p:sp>
+      <p:sp>
+        <p:nvSpPr>
+          <p:cNvPr id="149" name="Google Shape;149;g7791ec946c_0_35:notes"/>
+          <p:cNvSpPr>
+            <a:spLocks noGrp="1" noRot="1" noChangeAspect="1"/>
+          </p:cNvSpPr>
+          <p:nvPr>
+            <p:ph type="sldImg" idx="2"/>
+          </p:nvPr>
+        </p:nvSpPr>
+        <p:spPr>
+          <a:xfrm>
+            <a:off x="685800" y="1143000"/>
+            <a:ext cx="5486400" cy="3086100"/>
+          </a:xfrm>
+          <a:custGeom>
+            <a:avLst/>
+            <a:gdLst/>
+            <a:ahLst/>
+            <a:cxnLst/>
+            <a:rect l="l" t="t" r="r" b="b"/>
+            <a:pathLst>
+              <a:path w="120000" h="120000" extrusionOk="0">
+                <a:moveTo>
+                  <a:pt x="0" y="0"/>
+                </a:moveTo>
+                <a:lnTo>
+                  <a:pt x="120000" y="0"/>
+                </a:lnTo>
+                <a:lnTo>
+                  <a:pt x="120000" y="120000"/>
+                </a:lnTo>
+                <a:lnTo>
+                  <a:pt x="0" y="120000"/>
+                </a:lnTo>
+                <a:close/>
+              </a:path>
+            </a:pathLst>
+          </a:custGeom>
+        </p:spPr>
+      </p:sp>
+    </p:spTree>
+  </p:cSld>
+  <p:clrMapOvr>
+    <a:masterClrMapping/>
+  </p:clrMapOvr>
+</p:notes>
+</file>
+
+<file path=ppt/notesSlides/notesSlide3.xml><?xml version="1.0" encoding="utf-8"?>
+<p:notes xmlns:a="http://schemas.openxmlformats.org/drawingml/2006/main" xmlns:r="http://schemas.openxmlformats.org/officeDocument/2006/relationships" xmlns:p="http://schemas.openxmlformats.org/presentationml/2006/main" showMasterSp="0" showMasterPhAnim="0">
+  <p:cSld>
+    <p:spTree>
+      <p:nvGrpSpPr>
+        <p:cNvPr id="1" name="Shape 154"/>
+        <p:cNvGrpSpPr/>
+        <p:nvPr/>
+      </p:nvGrpSpPr>
+      <p:grpSpPr>
+        <a:xfrm>
+          <a:off x="0" y="0"/>
+          <a:ext cx="0" cy="0"/>
+          <a:chOff x="0" y="0"/>
+          <a:chExt cx="0" cy="0"/>
+        </a:xfrm>
+      </p:grpSpPr>
+      <p:sp>
+        <p:nvSpPr>
+          <p:cNvPr id="155" name="Google Shape;155;g7791ec946c_8_89:notes"/>
+          <p:cNvSpPr txBox="1">
+            <a:spLocks noGrp="1"/>
+          </p:cNvSpPr>
+          <p:nvPr>
+            <p:ph type="body" idx="1"/>
+          </p:nvPr>
+        </p:nvSpPr>
+        <p:spPr>
+          <a:xfrm>
+            <a:off x="685800" y="4400550"/>
+            <a:ext cx="5486400" cy="3600450"/>
+          </a:xfrm>
+          <a:prstGeom prst="rect">
+            <a:avLst/>
+          </a:prstGeom>
+        </p:spPr>
+        <p:txBody>
+          <a:bodyPr spcFirstLastPara="1" wrap="square" lIns="91425" tIns="91425" rIns="91425" bIns="91425" anchor="t" anchorCtr="0">
+            <a:noAutofit/>
+          </a:bodyPr>
+          <a:lstStyle/>
+          <a:p>
+            <a:pPr marL="0" lvl="0" indent="0" algn="l" rtl="0">
+              <a:spcBef>
+                <a:spcPts val="0"/>
+              </a:spcBef>
+              <a:spcAft>
+                <a:spcPts val="0"/>
+              </a:spcAft>
+              <a:buNone/>
+            </a:pPr>
+            <a:endParaRPr/>
+          </a:p>
+        </p:txBody>
+      </p:sp>
+      <p:sp>
+        <p:nvSpPr>
+          <p:cNvPr id="156" name="Google Shape;156;g7791ec946c_8_89:notes"/>
+          <p:cNvSpPr>
+            <a:spLocks noGrp="1" noRot="1" noChangeAspect="1"/>
+          </p:cNvSpPr>
+          <p:nvPr>
+            <p:ph type="sldImg" idx="2"/>
+          </p:nvPr>
+        </p:nvSpPr>
+        <p:spPr>
+          <a:xfrm>
+            <a:off x="685800" y="1143000"/>
+            <a:ext cx="5486400" cy="3086100"/>
+          </a:xfrm>
+          <a:custGeom>
+            <a:avLst/>
+            <a:gdLst/>
+            <a:ahLst/>
+            <a:cxnLst/>
+            <a:rect l="l" t="t" r="r" b="b"/>
+            <a:pathLst>
+              <a:path w="120000" h="120000" extrusionOk="0">
+                <a:moveTo>
+                  <a:pt x="0" y="0"/>
+                </a:moveTo>
+                <a:lnTo>
+                  <a:pt x="120000" y="0"/>
+                </a:lnTo>
+                <a:lnTo>
+                  <a:pt x="120000" y="120000"/>
+                </a:lnTo>
+                <a:lnTo>
+                  <a:pt x="0" y="120000"/>
+                </a:lnTo>
+                <a:close/>
+              </a:path>
+            </a:pathLst>
+          </a:custGeom>
+        </p:spPr>
+      </p:sp>
+    </p:spTree>
+  </p:cSld>
+  <p:clrMapOvr>
+    <a:masterClrMapping/>
+  </p:clrMapOvr>
+</p:notes>
+</file>
+
+<file path=ppt/notesSlides/notesSlide4.xml><?xml version="1.0" encoding="utf-8"?>
+<p:notes xmlns:a="http://schemas.openxmlformats.org/drawingml/2006/main" xmlns:r="http://schemas.openxmlformats.org/officeDocument/2006/relationships" xmlns:p="http://schemas.openxmlformats.org/presentationml/2006/main" showMasterSp="0" showMasterPhAnim="0">
+  <p:cSld>
+    <p:spTree>
+      <p:nvGrpSpPr>
+        <p:cNvPr id="1" name="Shape 161"/>
+        <p:cNvGrpSpPr/>
+        <p:nvPr/>
+      </p:nvGrpSpPr>
+      <p:grpSpPr>
+        <a:xfrm>
+          <a:off x="0" y="0"/>
+          <a:ext cx="0" cy="0"/>
+          <a:chOff x="0" y="0"/>
+          <a:chExt cx="0" cy="0"/>
+        </a:xfrm>
+      </p:grpSpPr>
+      <p:sp>
+        <p:nvSpPr>
+          <p:cNvPr id="162" name="Google Shape;162;g7791ec946c_0_10:notes"/>
+          <p:cNvSpPr txBox="1">
+            <a:spLocks noGrp="1"/>
+          </p:cNvSpPr>
+          <p:nvPr>
+            <p:ph type="body" idx="1"/>
+          </p:nvPr>
+        </p:nvSpPr>
+        <p:spPr>
+          <a:xfrm>
+            <a:off x="685800" y="4400550"/>
+            <a:ext cx="5486400" cy="3600600"/>
+          </a:xfrm>
+          <a:prstGeom prst="rect">
+            <a:avLst/>
+          </a:prstGeom>
+        </p:spPr>
+        <p:txBody>
+          <a:bodyPr spcFirstLastPara="1" wrap="square" lIns="91425" tIns="91425" rIns="91425" bIns="91425" anchor="t" anchorCtr="0">
+            <a:noAutofit/>
+          </a:bodyPr>
+          <a:lstStyle/>
+          <a:p>
+            <a:pPr marL="0" lvl="0" indent="0" algn="l" rtl="0">
+              <a:spcBef>
+                <a:spcPts val="0"/>
+              </a:spcBef>
+              <a:spcAft>
+                <a:spcPts val="0"/>
+              </a:spcAft>
+              <a:buNone/>
+            </a:pPr>
+            <a:endParaRPr/>
+          </a:p>
+        </p:txBody>
+      </p:sp>
+      <p:sp>
+        <p:nvSpPr>
+          <p:cNvPr id="163" name="Google Shape;163;g7791ec946c_0_10:notes"/>
+          <p:cNvSpPr>
+            <a:spLocks noGrp="1" noRot="1" noChangeAspect="1"/>
+          </p:cNvSpPr>
+          <p:nvPr>
+            <p:ph type="sldImg" idx="2"/>
+          </p:nvPr>
+        </p:nvSpPr>
+        <p:spPr>
+          <a:xfrm>
+            <a:off x="685800" y="1143000"/>
+            <a:ext cx="5486400" cy="3086100"/>
+          </a:xfrm>
+          <a:custGeom>
+            <a:avLst/>
+            <a:gdLst/>
+            <a:ahLst/>
+            <a:cxnLst/>
+            <a:rect l="l" t="t" r="r" b="b"/>
+            <a:pathLst>
+              <a:path w="120000" h="120000" extrusionOk="0">
+                <a:moveTo>
+                  <a:pt x="0" y="0"/>
+                </a:moveTo>
+                <a:lnTo>
+                  <a:pt x="120000" y="0"/>
+                </a:lnTo>
+                <a:lnTo>
+                  <a:pt x="120000" y="120000"/>
+                </a:lnTo>
+                <a:lnTo>
+                  <a:pt x="0" y="120000"/>
+                </a:lnTo>
+                <a:close/>
+              </a:path>
+            </a:pathLst>
+          </a:custGeom>
+        </p:spPr>
+      </p:sp>
+    </p:spTree>
+  </p:cSld>
+  <p:clrMapOvr>
+    <a:masterClrMapping/>
+  </p:clrMapOvr>
+</p:notes>
+</file>
+
+<file path=ppt/notesSlides/notesSlide5.xml><?xml version="1.0" encoding="utf-8"?>
+<p:notes xmlns:a="http://schemas.openxmlformats.org/drawingml/2006/main" xmlns:r="http://schemas.openxmlformats.org/officeDocument/2006/relationships" xmlns:p="http://schemas.openxmlformats.org/presentationml/2006/main" showMasterSp="0" showMasterPhAnim="0">
+  <p:cSld>
+    <p:spTree>
+      <p:nvGrpSpPr>
+        <p:cNvPr id="1" name="Shape 161"/>
+        <p:cNvGrpSpPr/>
+        <p:nvPr/>
+      </p:nvGrpSpPr>
+      <p:grpSpPr>
+        <a:xfrm>
+          <a:off x="0" y="0"/>
+          <a:ext cx="0" cy="0"/>
+          <a:chOff x="0" y="0"/>
+          <a:chExt cx="0" cy="0"/>
+        </a:xfrm>
+      </p:grpSpPr>
+      <p:sp>
+        <p:nvSpPr>
+          <p:cNvPr id="162" name="Google Shape;162;g7791ec946c_0_10:notes"/>
+          <p:cNvSpPr txBox="1">
+            <a:spLocks noGrp="1"/>
+          </p:cNvSpPr>
+          <p:nvPr>
+            <p:ph type="body" idx="1"/>
+          </p:nvPr>
+        </p:nvSpPr>
+        <p:spPr>
+          <a:xfrm>
+            <a:off x="685800" y="4400550"/>
+            <a:ext cx="5486400" cy="3600600"/>
+          </a:xfrm>
+          <a:prstGeom prst="rect">
+            <a:avLst/>
+          </a:prstGeom>
+        </p:spPr>
+        <p:txBody>
+          <a:bodyPr spcFirstLastPara="1" wrap="square" lIns="91425" tIns="91425" rIns="91425" bIns="91425" anchor="t" anchorCtr="0">
+            <a:noAutofit/>
+          </a:bodyPr>
+          <a:lstStyle/>
+          <a:p>
+            <a:pPr marL="0" lvl="0" indent="0" algn="l" rtl="0">
+              <a:spcBef>
+                <a:spcPts val="0"/>
+              </a:spcBef>
+              <a:spcAft>
+                <a:spcPts val="0"/>
+              </a:spcAft>
+              <a:buNone/>
+            </a:pPr>
+            <a:endParaRPr/>
+          </a:p>
+        </p:txBody>
+      </p:sp>
+      <p:sp>
+        <p:nvSpPr>
+          <p:cNvPr id="163" name="Google Shape;163;g7791ec946c_0_10:notes"/>
+          <p:cNvSpPr>
+            <a:spLocks noGrp="1" noRot="1" noChangeAspect="1"/>
+          </p:cNvSpPr>
+          <p:nvPr>
+            <p:ph type="sldImg" idx="2"/>
+          </p:nvPr>
+        </p:nvSpPr>
+        <p:spPr>
+          <a:xfrm>
+            <a:off x="685800" y="1143000"/>
+            <a:ext cx="5486400" cy="3086100"/>
+          </a:xfrm>
+          <a:custGeom>
+            <a:avLst/>
+            <a:gdLst/>
+            <a:ahLst/>
+            <a:cxnLst/>
+            <a:rect l="l" t="t" r="r" b="b"/>
+            <a:pathLst>
+              <a:path w="120000" h="120000" extrusionOk="0">
+                <a:moveTo>
+                  <a:pt x="0" y="0"/>
+                </a:moveTo>
+                <a:lnTo>
+                  <a:pt x="120000" y="0"/>
+                </a:lnTo>
+                <a:lnTo>
+                  <a:pt x="120000" y="120000"/>
+                </a:lnTo>
+                <a:lnTo>
+                  <a:pt x="0" y="120000"/>
+                </a:lnTo>
+                <a:close/>
+              </a:path>
+            </a:pathLst>
+          </a:custGeom>
+        </p:spPr>
+      </p:sp>
+    </p:spTree>
+  </p:cSld>
+  <p:clrMapOvr>
+    <a:masterClrMapping/>
+  </p:clrMapOvr>
+</p:notes>
+</file>
+
+<file path=ppt/notesSlides/notesSlide6.xml><?xml version="1.0" encoding="utf-8"?>
+<p:notes xmlns:a="http://schemas.openxmlformats.org/drawingml/2006/main" xmlns:r="http://schemas.openxmlformats.org/officeDocument/2006/relationships" xmlns:p="http://schemas.openxmlformats.org/presentationml/2006/main" showMasterSp="0" showMasterPhAnim="0">
+  <p:cSld>
+    <p:spTree>
+      <p:nvGrpSpPr>
+        <p:cNvPr id="1" name="Shape 175"/>
+        <p:cNvGrpSpPr/>
+        <p:nvPr/>
+      </p:nvGrpSpPr>
+      <p:grpSpPr>
+        <a:xfrm>
+          <a:off x="0" y="0"/>
+          <a:ext cx="0" cy="0"/>
+          <a:chOff x="0" y="0"/>
+          <a:chExt cx="0" cy="0"/>
+        </a:xfrm>
+      </p:grpSpPr>
+      <p:sp>
+        <p:nvSpPr>
+          <p:cNvPr id="176" name="Google Shape;176;g7791ec946c_0_25:notes"/>
+          <p:cNvSpPr txBox="1">
+            <a:spLocks noGrp="1"/>
+          </p:cNvSpPr>
+          <p:nvPr>
+            <p:ph type="body" idx="1"/>
+          </p:nvPr>
+        </p:nvSpPr>
+        <p:spPr>
+          <a:xfrm>
+            <a:off x="685800" y="4400550"/>
+            <a:ext cx="5486400" cy="3600600"/>
+          </a:xfrm>
+          <a:prstGeom prst="rect">
+            <a:avLst/>
+          </a:prstGeom>
+        </p:spPr>
+        <p:txBody>
+          <a:bodyPr spcFirstLastPara="1" wrap="square" lIns="91425" tIns="91425" rIns="91425" bIns="91425" anchor="t" anchorCtr="0">
+            <a:noAutofit/>
+          </a:bodyPr>
+          <a:lstStyle/>
+          <a:p>
+            <a:pPr marL="0" lvl="0" indent="0" algn="l" rtl="0">
+              <a:spcBef>
+                <a:spcPts val="0"/>
+              </a:spcBef>
+              <a:spcAft>
+                <a:spcPts val="0"/>
+              </a:spcAft>
+              <a:buNone/>
+            </a:pPr>
+            <a:endParaRPr/>
+          </a:p>
+        </p:txBody>
+      </p:sp>
+      <p:sp>
+        <p:nvSpPr>
+          <p:cNvPr id="177" name="Google Shape;177;g7791ec946c_0_25:notes"/>
+          <p:cNvSpPr>
+            <a:spLocks noGrp="1" noRot="1" noChangeAspect="1"/>
+          </p:cNvSpPr>
+          <p:nvPr>
+            <p:ph type="sldImg" idx="2"/>
+          </p:nvPr>
+        </p:nvSpPr>
+        <p:spPr>
+          <a:xfrm>
+            <a:off x="685800" y="1143000"/>
+            <a:ext cx="5486400" cy="3086100"/>
+          </a:xfrm>
+          <a:custGeom>
+            <a:avLst/>
+            <a:gdLst/>
+            <a:ahLst/>
+            <a:cxnLst/>
+            <a:rect l="l" t="t" r="r" b="b"/>
+            <a:pathLst>
+              <a:path w="120000" h="120000" extrusionOk="0">
+                <a:moveTo>
+                  <a:pt x="0" y="0"/>
+                </a:moveTo>
+                <a:lnTo>
+                  <a:pt x="120000" y="0"/>
+                </a:lnTo>
+                <a:lnTo>
+                  <a:pt x="120000" y="120000"/>
+                </a:lnTo>
+                <a:lnTo>
+                  <a:pt x="0" y="120000"/>
+                </a:lnTo>
+                <a:close/>
+              </a:path>
+            </a:pathLst>
+          </a:custGeom>
+        </p:spPr>
+      </p:sp>
+    </p:spTree>
+  </p:cSld>
+  <p:clrMapOvr>
+    <a:masterClrMapping/>
+  </p:clrMapOvr>
+</p:notes>
+</file>
+
+<file path=ppt/notesSlides/notesSlide7.xml><?xml version="1.0" encoding="utf-8"?>
+<p:notes xmlns:a="http://schemas.openxmlformats.org/drawingml/2006/main" xmlns:r="http://schemas.openxmlformats.org/officeDocument/2006/relationships" xmlns:p="http://schemas.openxmlformats.org/presentationml/2006/main" showMasterSp="0" showMasterPhAnim="0">
+  <p:cSld>
+    <p:spTree>
+      <p:nvGrpSpPr>
+        <p:cNvPr id="1" name="Shape 168"/>
+        <p:cNvGrpSpPr/>
+        <p:nvPr/>
+      </p:nvGrpSpPr>
+      <p:grpSpPr>
+        <a:xfrm>
+          <a:off x="0" y="0"/>
+          <a:ext cx="0" cy="0"/>
+          <a:chOff x="0" y="0"/>
+          <a:chExt cx="0" cy="0"/>
+        </a:xfrm>
+      </p:grpSpPr>
+      <p:sp>
+        <p:nvSpPr>
+          <p:cNvPr id="169" name="Google Shape;169;g7791ec946c_0_15:notes"/>
+          <p:cNvSpPr txBox="1">
+            <a:spLocks noGrp="1"/>
+          </p:cNvSpPr>
+          <p:nvPr>
+            <p:ph type="body" idx="1"/>
+          </p:nvPr>
+        </p:nvSpPr>
+        <p:spPr>
+          <a:xfrm>
+            <a:off x="685800" y="4400550"/>
+            <a:ext cx="5486400" cy="3600600"/>
+          </a:xfrm>
+          <a:prstGeom prst="rect">
+            <a:avLst/>
+          </a:prstGeom>
+        </p:spPr>
+        <p:txBody>
+          <a:bodyPr spcFirstLastPara="1" wrap="square" lIns="91425" tIns="91425" rIns="91425" bIns="91425" anchor="t" anchorCtr="0">
+            <a:noAutofit/>
+          </a:bodyPr>
+          <a:lstStyle/>
+          <a:p>
+            <a:pPr marL="0" lvl="0" indent="0" algn="l" rtl="0">
+              <a:spcBef>
+                <a:spcPts val="0"/>
+              </a:spcBef>
+              <a:spcAft>
+                <a:spcPts val="0"/>
+              </a:spcAft>
+              <a:buNone/>
+            </a:pPr>
+            <a:endParaRPr/>
+          </a:p>
+        </p:txBody>
+      </p:sp>
+      <p:sp>
+        <p:nvSpPr>
+          <p:cNvPr id="170" name="Google Shape;170;g7791ec946c_0_15:notes"/>
+          <p:cNvSpPr>
+            <a:spLocks noGrp="1" noRot="1" noChangeAspect="1"/>
+          </p:cNvSpPr>
+          <p:nvPr>
+            <p:ph type="sldImg" idx="2"/>
+          </p:nvPr>
+        </p:nvSpPr>
+        <p:spPr>
+          <a:xfrm>
+            <a:off x="685800" y="1143000"/>
+            <a:ext cx="5486400" cy="3086100"/>
+          </a:xfrm>
+          <a:custGeom>
+            <a:avLst/>
+            <a:gdLst/>
+            <a:ahLst/>
+            <a:cxnLst/>
+            <a:rect l="l" t="t" r="r" b="b"/>
+            <a:pathLst>
+              <a:path w="120000" h="120000" extrusionOk="0">
+                <a:moveTo>
+                  <a:pt x="0" y="0"/>
+                </a:moveTo>
+                <a:lnTo>
+                  <a:pt x="120000" y="0"/>
+                </a:lnTo>
+                <a:lnTo>
+                  <a:pt x="120000" y="120000"/>
+                </a:lnTo>
+                <a:lnTo>
+                  <a:pt x="0" y="120000"/>
+                </a:lnTo>
+                <a:close/>
+              </a:path>
+            </a:pathLst>
+          </a:custGeom>
+        </p:spPr>
+      </p:sp>
+    </p:spTree>
+  </p:cSld>
+  <p:clrMapOvr>
+    <a:masterClrMapping/>
+  </p:clrMapOvr>
+</p:notes>
+</file>
+
+<file path=ppt/notesSlides/notesSlide8.xml><?xml version="1.0" encoding="utf-8"?>
+<p:notes xmlns:a="http://schemas.openxmlformats.org/drawingml/2006/main" xmlns:r="http://schemas.openxmlformats.org/officeDocument/2006/relationships" xmlns:p="http://schemas.openxmlformats.org/presentationml/2006/main" showMasterSp="0" showMasterPhAnim="0">
+  <p:cSld>
+    <p:spTree>
+      <p:nvGrpSpPr>
+        <p:cNvPr id="1" name="Shape 189"/>
+        <p:cNvGrpSpPr/>
+        <p:nvPr/>
+      </p:nvGrpSpPr>
+      <p:grpSpPr>
+        <a:xfrm>
+          <a:off x="0" y="0"/>
+          <a:ext cx="0" cy="0"/>
+          <a:chOff x="0" y="0"/>
+          <a:chExt cx="0" cy="0"/>
+        </a:xfrm>
+      </p:grpSpPr>
+      <p:sp>
+        <p:nvSpPr>
+          <p:cNvPr id="190" name="Google Shape;190;g7791ec946c_0_40:notes"/>
+          <p:cNvSpPr txBox="1">
+            <a:spLocks noGrp="1"/>
+          </p:cNvSpPr>
+          <p:nvPr>
+            <p:ph type="body" idx="1"/>
+          </p:nvPr>
+        </p:nvSpPr>
+        <p:spPr>
+          <a:xfrm>
+            <a:off x="685800" y="4400550"/>
+            <a:ext cx="5486400" cy="3600600"/>
+          </a:xfrm>
+          <a:prstGeom prst="rect">
+            <a:avLst/>
+          </a:prstGeom>
+        </p:spPr>
+        <p:txBody>
+          <a:bodyPr spcFirstLastPara="1" wrap="square" lIns="91425" tIns="91425" rIns="91425" bIns="91425" anchor="t" anchorCtr="0">
+            <a:noAutofit/>
+          </a:bodyPr>
+          <a:lstStyle/>
+          <a:p>
+            <a:pPr marL="0" lvl="0" indent="0" algn="l" rtl="0">
+              <a:spcBef>
+                <a:spcPts val="0"/>
+              </a:spcBef>
+              <a:spcAft>
+                <a:spcPts val="0"/>
+              </a:spcAft>
+              <a:buNone/>
+            </a:pPr>
+            <a:endParaRPr/>
+          </a:p>
+        </p:txBody>
+      </p:sp>
+      <p:sp>
+        <p:nvSpPr>
+          <p:cNvPr id="191" name="Google Shape;191;g7791ec946c_0_40:notes"/>
+          <p:cNvSpPr>
+            <a:spLocks noGrp="1" noRot="1" noChangeAspect="1"/>
+          </p:cNvSpPr>
+          <p:nvPr>
+            <p:ph type="sldImg" idx="2"/>
+          </p:nvPr>
+        </p:nvSpPr>
+        <p:spPr>
+          <a:xfrm>
+            <a:off x="685800" y="1143000"/>
+            <a:ext cx="5486400" cy="3086100"/>
+          </a:xfrm>
+          <a:custGeom>
+            <a:avLst/>
+            <a:gdLst/>
+            <a:ahLst/>
+            <a:cxnLst/>
+            <a:rect l="l" t="t" r="r" b="b"/>
+            <a:pathLst>
+              <a:path w="120000" h="120000" extrusionOk="0">
+                <a:moveTo>
+                  <a:pt x="0" y="0"/>
+                </a:moveTo>
+                <a:lnTo>
+                  <a:pt x="120000" y="0"/>
+                </a:lnTo>
+                <a:lnTo>
+                  <a:pt x="120000" y="120000"/>
+                </a:lnTo>
+                <a:lnTo>
+                  <a:pt x="0" y="120000"/>
+                </a:lnTo>
+                <a:close/>
+              </a:path>
+            </a:pathLst>
+          </a:custGeom>
+        </p:spPr>
+      </p:sp>
+    </p:spTree>
+  </p:cSld>
+  <p:clrMapOvr>
+    <a:masterClrMapping/>
+  </p:clrMapOvr>
+</p:notes>
+</file>
+
+<file path=ppt/notesSlides/notesSlide9.xml><?xml version="1.0" encoding="utf-8"?>
 <p:notes xmlns:a="http://schemas.openxmlformats.org/drawingml/2006/main" xmlns:r="http://schemas.openxmlformats.org/officeDocument/2006/relationships" xmlns:p="http://schemas.openxmlformats.org/presentationml/2006/main" showMasterSp="0" showMasterPhAnim="0">
   <p:cSld>
     <p:spTree>
@@ -998,843 +1725,11 @@
             </a:pPr>
             <a:fld id="{00000000-1234-1234-1234-123412341234}" type="slidenum">
               <a:rPr lang="ru"/>
-              <a:t>10</a:t>
+              <a:t>9</a:t>
             </a:fld>
             <a:endParaRPr/>
           </a:p>
         </p:txBody>
-      </p:sp>
-    </p:spTree>
-  </p:cSld>
-  <p:clrMapOvr>
-    <a:masterClrMapping/>
-  </p:clrMapOvr>
-</p:notes>
-</file>
-
-<file path=ppt/notesSlides/notesSlide2.xml><?xml version="1.0" encoding="utf-8"?>
-<p:notes xmlns:a="http://schemas.openxmlformats.org/drawingml/2006/main" xmlns:r="http://schemas.openxmlformats.org/officeDocument/2006/relationships" xmlns:p="http://schemas.openxmlformats.org/presentationml/2006/main" showMasterSp="0" showMasterPhAnim="0">
-  <p:cSld>
-    <p:spTree>
-      <p:nvGrpSpPr>
-        <p:cNvPr id="1" name="Shape 147"/>
-        <p:cNvGrpSpPr/>
-        <p:nvPr/>
-      </p:nvGrpSpPr>
-      <p:grpSpPr>
-        <a:xfrm>
-          <a:off x="0" y="0"/>
-          <a:ext cx="0" cy="0"/>
-          <a:chOff x="0" y="0"/>
-          <a:chExt cx="0" cy="0"/>
-        </a:xfrm>
-      </p:grpSpPr>
-      <p:sp>
-        <p:nvSpPr>
-          <p:cNvPr id="148" name="Google Shape;148;g7791ec946c_0_35:notes"/>
-          <p:cNvSpPr txBox="1">
-            <a:spLocks noGrp="1"/>
-          </p:cNvSpPr>
-          <p:nvPr>
-            <p:ph type="body" idx="1"/>
-          </p:nvPr>
-        </p:nvSpPr>
-        <p:spPr>
-          <a:xfrm>
-            <a:off x="685800" y="4400550"/>
-            <a:ext cx="5486400" cy="3600600"/>
-          </a:xfrm>
-          <a:prstGeom prst="rect">
-            <a:avLst/>
-          </a:prstGeom>
-        </p:spPr>
-        <p:txBody>
-          <a:bodyPr spcFirstLastPara="1" wrap="square" lIns="91425" tIns="91425" rIns="91425" bIns="91425" anchor="t" anchorCtr="0">
-            <a:noAutofit/>
-          </a:bodyPr>
-          <a:lstStyle/>
-          <a:p>
-            <a:pPr marL="0" lvl="0" indent="0" algn="l" rtl="0">
-              <a:spcBef>
-                <a:spcPts val="0"/>
-              </a:spcBef>
-              <a:spcAft>
-                <a:spcPts val="0"/>
-              </a:spcAft>
-              <a:buNone/>
-            </a:pPr>
-            <a:endParaRPr/>
-          </a:p>
-        </p:txBody>
-      </p:sp>
-      <p:sp>
-        <p:nvSpPr>
-          <p:cNvPr id="149" name="Google Shape;149;g7791ec946c_0_35:notes"/>
-          <p:cNvSpPr>
-            <a:spLocks noGrp="1" noRot="1" noChangeAspect="1"/>
-          </p:cNvSpPr>
-          <p:nvPr>
-            <p:ph type="sldImg" idx="2"/>
-          </p:nvPr>
-        </p:nvSpPr>
-        <p:spPr>
-          <a:xfrm>
-            <a:off x="685800" y="1143000"/>
-            <a:ext cx="5486400" cy="3086100"/>
-          </a:xfrm>
-          <a:custGeom>
-            <a:avLst/>
-            <a:gdLst/>
-            <a:ahLst/>
-            <a:cxnLst/>
-            <a:rect l="l" t="t" r="r" b="b"/>
-            <a:pathLst>
-              <a:path w="120000" h="120000" extrusionOk="0">
-                <a:moveTo>
-                  <a:pt x="0" y="0"/>
-                </a:moveTo>
-                <a:lnTo>
-                  <a:pt x="120000" y="0"/>
-                </a:lnTo>
-                <a:lnTo>
-                  <a:pt x="120000" y="120000"/>
-                </a:lnTo>
-                <a:lnTo>
-                  <a:pt x="0" y="120000"/>
-                </a:lnTo>
-                <a:close/>
-              </a:path>
-            </a:pathLst>
-          </a:custGeom>
-        </p:spPr>
-      </p:sp>
-    </p:spTree>
-  </p:cSld>
-  <p:clrMapOvr>
-    <a:masterClrMapping/>
-  </p:clrMapOvr>
-</p:notes>
-</file>
-
-<file path=ppt/notesSlides/notesSlide3.xml><?xml version="1.0" encoding="utf-8"?>
-<p:notes xmlns:a="http://schemas.openxmlformats.org/drawingml/2006/main" xmlns:r="http://schemas.openxmlformats.org/officeDocument/2006/relationships" xmlns:p="http://schemas.openxmlformats.org/presentationml/2006/main" showMasterSp="0" showMasterPhAnim="0">
-  <p:cSld>
-    <p:spTree>
-      <p:nvGrpSpPr>
-        <p:cNvPr id="1" name="Shape 154"/>
-        <p:cNvGrpSpPr/>
-        <p:nvPr/>
-      </p:nvGrpSpPr>
-      <p:grpSpPr>
-        <a:xfrm>
-          <a:off x="0" y="0"/>
-          <a:ext cx="0" cy="0"/>
-          <a:chOff x="0" y="0"/>
-          <a:chExt cx="0" cy="0"/>
-        </a:xfrm>
-      </p:grpSpPr>
-      <p:sp>
-        <p:nvSpPr>
-          <p:cNvPr id="155" name="Google Shape;155;g7791ec946c_8_89:notes"/>
-          <p:cNvSpPr txBox="1">
-            <a:spLocks noGrp="1"/>
-          </p:cNvSpPr>
-          <p:nvPr>
-            <p:ph type="body" idx="1"/>
-          </p:nvPr>
-        </p:nvSpPr>
-        <p:spPr>
-          <a:xfrm>
-            <a:off x="685800" y="4400550"/>
-            <a:ext cx="5486400" cy="3600450"/>
-          </a:xfrm>
-          <a:prstGeom prst="rect">
-            <a:avLst/>
-          </a:prstGeom>
-        </p:spPr>
-        <p:txBody>
-          <a:bodyPr spcFirstLastPara="1" wrap="square" lIns="91425" tIns="91425" rIns="91425" bIns="91425" anchor="t" anchorCtr="0">
-            <a:noAutofit/>
-          </a:bodyPr>
-          <a:lstStyle/>
-          <a:p>
-            <a:pPr marL="0" lvl="0" indent="0" algn="l" rtl="0">
-              <a:spcBef>
-                <a:spcPts val="0"/>
-              </a:spcBef>
-              <a:spcAft>
-                <a:spcPts val="0"/>
-              </a:spcAft>
-              <a:buNone/>
-            </a:pPr>
-            <a:endParaRPr/>
-          </a:p>
-        </p:txBody>
-      </p:sp>
-      <p:sp>
-        <p:nvSpPr>
-          <p:cNvPr id="156" name="Google Shape;156;g7791ec946c_8_89:notes"/>
-          <p:cNvSpPr>
-            <a:spLocks noGrp="1" noRot="1" noChangeAspect="1"/>
-          </p:cNvSpPr>
-          <p:nvPr>
-            <p:ph type="sldImg" idx="2"/>
-          </p:nvPr>
-        </p:nvSpPr>
-        <p:spPr>
-          <a:xfrm>
-            <a:off x="685800" y="1143000"/>
-            <a:ext cx="5486400" cy="3086100"/>
-          </a:xfrm>
-          <a:custGeom>
-            <a:avLst/>
-            <a:gdLst/>
-            <a:ahLst/>
-            <a:cxnLst/>
-            <a:rect l="l" t="t" r="r" b="b"/>
-            <a:pathLst>
-              <a:path w="120000" h="120000" extrusionOk="0">
-                <a:moveTo>
-                  <a:pt x="0" y="0"/>
-                </a:moveTo>
-                <a:lnTo>
-                  <a:pt x="120000" y="0"/>
-                </a:lnTo>
-                <a:lnTo>
-                  <a:pt x="120000" y="120000"/>
-                </a:lnTo>
-                <a:lnTo>
-                  <a:pt x="0" y="120000"/>
-                </a:lnTo>
-                <a:close/>
-              </a:path>
-            </a:pathLst>
-          </a:custGeom>
-        </p:spPr>
-      </p:sp>
-    </p:spTree>
-  </p:cSld>
-  <p:clrMapOvr>
-    <a:masterClrMapping/>
-  </p:clrMapOvr>
-</p:notes>
-</file>
-
-<file path=ppt/notesSlides/notesSlide4.xml><?xml version="1.0" encoding="utf-8"?>
-<p:notes xmlns:a="http://schemas.openxmlformats.org/drawingml/2006/main" xmlns:r="http://schemas.openxmlformats.org/officeDocument/2006/relationships" xmlns:p="http://schemas.openxmlformats.org/presentationml/2006/main" showMasterSp="0" showMasterPhAnim="0">
-  <p:cSld>
-    <p:spTree>
-      <p:nvGrpSpPr>
-        <p:cNvPr id="1" name="Shape 161"/>
-        <p:cNvGrpSpPr/>
-        <p:nvPr/>
-      </p:nvGrpSpPr>
-      <p:grpSpPr>
-        <a:xfrm>
-          <a:off x="0" y="0"/>
-          <a:ext cx="0" cy="0"/>
-          <a:chOff x="0" y="0"/>
-          <a:chExt cx="0" cy="0"/>
-        </a:xfrm>
-      </p:grpSpPr>
-      <p:sp>
-        <p:nvSpPr>
-          <p:cNvPr id="162" name="Google Shape;162;g7791ec946c_0_10:notes"/>
-          <p:cNvSpPr txBox="1">
-            <a:spLocks noGrp="1"/>
-          </p:cNvSpPr>
-          <p:nvPr>
-            <p:ph type="body" idx="1"/>
-          </p:nvPr>
-        </p:nvSpPr>
-        <p:spPr>
-          <a:xfrm>
-            <a:off x="685800" y="4400550"/>
-            <a:ext cx="5486400" cy="3600600"/>
-          </a:xfrm>
-          <a:prstGeom prst="rect">
-            <a:avLst/>
-          </a:prstGeom>
-        </p:spPr>
-        <p:txBody>
-          <a:bodyPr spcFirstLastPara="1" wrap="square" lIns="91425" tIns="91425" rIns="91425" bIns="91425" anchor="t" anchorCtr="0">
-            <a:noAutofit/>
-          </a:bodyPr>
-          <a:lstStyle/>
-          <a:p>
-            <a:pPr marL="0" lvl="0" indent="0" algn="l" rtl="0">
-              <a:spcBef>
-                <a:spcPts val="0"/>
-              </a:spcBef>
-              <a:spcAft>
-                <a:spcPts val="0"/>
-              </a:spcAft>
-              <a:buNone/>
-            </a:pPr>
-            <a:endParaRPr/>
-          </a:p>
-        </p:txBody>
-      </p:sp>
-      <p:sp>
-        <p:nvSpPr>
-          <p:cNvPr id="163" name="Google Shape;163;g7791ec946c_0_10:notes"/>
-          <p:cNvSpPr>
-            <a:spLocks noGrp="1" noRot="1" noChangeAspect="1"/>
-          </p:cNvSpPr>
-          <p:nvPr>
-            <p:ph type="sldImg" idx="2"/>
-          </p:nvPr>
-        </p:nvSpPr>
-        <p:spPr>
-          <a:xfrm>
-            <a:off x="685800" y="1143000"/>
-            <a:ext cx="5486400" cy="3086100"/>
-          </a:xfrm>
-          <a:custGeom>
-            <a:avLst/>
-            <a:gdLst/>
-            <a:ahLst/>
-            <a:cxnLst/>
-            <a:rect l="l" t="t" r="r" b="b"/>
-            <a:pathLst>
-              <a:path w="120000" h="120000" extrusionOk="0">
-                <a:moveTo>
-                  <a:pt x="0" y="0"/>
-                </a:moveTo>
-                <a:lnTo>
-                  <a:pt x="120000" y="0"/>
-                </a:lnTo>
-                <a:lnTo>
-                  <a:pt x="120000" y="120000"/>
-                </a:lnTo>
-                <a:lnTo>
-                  <a:pt x="0" y="120000"/>
-                </a:lnTo>
-                <a:close/>
-              </a:path>
-            </a:pathLst>
-          </a:custGeom>
-        </p:spPr>
-      </p:sp>
-    </p:spTree>
-  </p:cSld>
-  <p:clrMapOvr>
-    <a:masterClrMapping/>
-  </p:clrMapOvr>
-</p:notes>
-</file>
-
-<file path=ppt/notesSlides/notesSlide5.xml><?xml version="1.0" encoding="utf-8"?>
-<p:notes xmlns:a="http://schemas.openxmlformats.org/drawingml/2006/main" xmlns:r="http://schemas.openxmlformats.org/officeDocument/2006/relationships" xmlns:p="http://schemas.openxmlformats.org/presentationml/2006/main" showMasterSp="0" showMasterPhAnim="0">
-  <p:cSld>
-    <p:spTree>
-      <p:nvGrpSpPr>
-        <p:cNvPr id="1" name="Shape 161"/>
-        <p:cNvGrpSpPr/>
-        <p:nvPr/>
-      </p:nvGrpSpPr>
-      <p:grpSpPr>
-        <a:xfrm>
-          <a:off x="0" y="0"/>
-          <a:ext cx="0" cy="0"/>
-          <a:chOff x="0" y="0"/>
-          <a:chExt cx="0" cy="0"/>
-        </a:xfrm>
-      </p:grpSpPr>
-      <p:sp>
-        <p:nvSpPr>
-          <p:cNvPr id="162" name="Google Shape;162;g7791ec946c_0_10:notes"/>
-          <p:cNvSpPr txBox="1">
-            <a:spLocks noGrp="1"/>
-          </p:cNvSpPr>
-          <p:nvPr>
-            <p:ph type="body" idx="1"/>
-          </p:nvPr>
-        </p:nvSpPr>
-        <p:spPr>
-          <a:xfrm>
-            <a:off x="685800" y="4400550"/>
-            <a:ext cx="5486400" cy="3600600"/>
-          </a:xfrm>
-          <a:prstGeom prst="rect">
-            <a:avLst/>
-          </a:prstGeom>
-        </p:spPr>
-        <p:txBody>
-          <a:bodyPr spcFirstLastPara="1" wrap="square" lIns="91425" tIns="91425" rIns="91425" bIns="91425" anchor="t" anchorCtr="0">
-            <a:noAutofit/>
-          </a:bodyPr>
-          <a:lstStyle/>
-          <a:p>
-            <a:pPr marL="0" lvl="0" indent="0" algn="l" rtl="0">
-              <a:spcBef>
-                <a:spcPts val="0"/>
-              </a:spcBef>
-              <a:spcAft>
-                <a:spcPts val="0"/>
-              </a:spcAft>
-              <a:buNone/>
-            </a:pPr>
-            <a:endParaRPr/>
-          </a:p>
-        </p:txBody>
-      </p:sp>
-      <p:sp>
-        <p:nvSpPr>
-          <p:cNvPr id="163" name="Google Shape;163;g7791ec946c_0_10:notes"/>
-          <p:cNvSpPr>
-            <a:spLocks noGrp="1" noRot="1" noChangeAspect="1"/>
-          </p:cNvSpPr>
-          <p:nvPr>
-            <p:ph type="sldImg" idx="2"/>
-          </p:nvPr>
-        </p:nvSpPr>
-        <p:spPr>
-          <a:xfrm>
-            <a:off x="685800" y="1143000"/>
-            <a:ext cx="5486400" cy="3086100"/>
-          </a:xfrm>
-          <a:custGeom>
-            <a:avLst/>
-            <a:gdLst/>
-            <a:ahLst/>
-            <a:cxnLst/>
-            <a:rect l="l" t="t" r="r" b="b"/>
-            <a:pathLst>
-              <a:path w="120000" h="120000" extrusionOk="0">
-                <a:moveTo>
-                  <a:pt x="0" y="0"/>
-                </a:moveTo>
-                <a:lnTo>
-                  <a:pt x="120000" y="0"/>
-                </a:lnTo>
-                <a:lnTo>
-                  <a:pt x="120000" y="120000"/>
-                </a:lnTo>
-                <a:lnTo>
-                  <a:pt x="0" y="120000"/>
-                </a:lnTo>
-                <a:close/>
-              </a:path>
-            </a:pathLst>
-          </a:custGeom>
-        </p:spPr>
-      </p:sp>
-    </p:spTree>
-  </p:cSld>
-  <p:clrMapOvr>
-    <a:masterClrMapping/>
-  </p:clrMapOvr>
-</p:notes>
-</file>
-
-<file path=ppt/notesSlides/notesSlide6.xml><?xml version="1.0" encoding="utf-8"?>
-<p:notes xmlns:a="http://schemas.openxmlformats.org/drawingml/2006/main" xmlns:r="http://schemas.openxmlformats.org/officeDocument/2006/relationships" xmlns:p="http://schemas.openxmlformats.org/presentationml/2006/main" showMasterSp="0" showMasterPhAnim="0">
-  <p:cSld>
-    <p:spTree>
-      <p:nvGrpSpPr>
-        <p:cNvPr id="1" name="Shape 175"/>
-        <p:cNvGrpSpPr/>
-        <p:nvPr/>
-      </p:nvGrpSpPr>
-      <p:grpSpPr>
-        <a:xfrm>
-          <a:off x="0" y="0"/>
-          <a:ext cx="0" cy="0"/>
-          <a:chOff x="0" y="0"/>
-          <a:chExt cx="0" cy="0"/>
-        </a:xfrm>
-      </p:grpSpPr>
-      <p:sp>
-        <p:nvSpPr>
-          <p:cNvPr id="176" name="Google Shape;176;g7791ec946c_0_25:notes"/>
-          <p:cNvSpPr txBox="1">
-            <a:spLocks noGrp="1"/>
-          </p:cNvSpPr>
-          <p:nvPr>
-            <p:ph type="body" idx="1"/>
-          </p:nvPr>
-        </p:nvSpPr>
-        <p:spPr>
-          <a:xfrm>
-            <a:off x="685800" y="4400550"/>
-            <a:ext cx="5486400" cy="3600600"/>
-          </a:xfrm>
-          <a:prstGeom prst="rect">
-            <a:avLst/>
-          </a:prstGeom>
-        </p:spPr>
-        <p:txBody>
-          <a:bodyPr spcFirstLastPara="1" wrap="square" lIns="91425" tIns="91425" rIns="91425" bIns="91425" anchor="t" anchorCtr="0">
-            <a:noAutofit/>
-          </a:bodyPr>
-          <a:lstStyle/>
-          <a:p>
-            <a:pPr marL="0" lvl="0" indent="0" algn="l" rtl="0">
-              <a:spcBef>
-                <a:spcPts val="0"/>
-              </a:spcBef>
-              <a:spcAft>
-                <a:spcPts val="0"/>
-              </a:spcAft>
-              <a:buNone/>
-            </a:pPr>
-            <a:endParaRPr/>
-          </a:p>
-        </p:txBody>
-      </p:sp>
-      <p:sp>
-        <p:nvSpPr>
-          <p:cNvPr id="177" name="Google Shape;177;g7791ec946c_0_25:notes"/>
-          <p:cNvSpPr>
-            <a:spLocks noGrp="1" noRot="1" noChangeAspect="1"/>
-          </p:cNvSpPr>
-          <p:nvPr>
-            <p:ph type="sldImg" idx="2"/>
-          </p:nvPr>
-        </p:nvSpPr>
-        <p:spPr>
-          <a:xfrm>
-            <a:off x="685800" y="1143000"/>
-            <a:ext cx="5486400" cy="3086100"/>
-          </a:xfrm>
-          <a:custGeom>
-            <a:avLst/>
-            <a:gdLst/>
-            <a:ahLst/>
-            <a:cxnLst/>
-            <a:rect l="l" t="t" r="r" b="b"/>
-            <a:pathLst>
-              <a:path w="120000" h="120000" extrusionOk="0">
-                <a:moveTo>
-                  <a:pt x="0" y="0"/>
-                </a:moveTo>
-                <a:lnTo>
-                  <a:pt x="120000" y="0"/>
-                </a:lnTo>
-                <a:lnTo>
-                  <a:pt x="120000" y="120000"/>
-                </a:lnTo>
-                <a:lnTo>
-                  <a:pt x="0" y="120000"/>
-                </a:lnTo>
-                <a:close/>
-              </a:path>
-            </a:pathLst>
-          </a:custGeom>
-        </p:spPr>
-      </p:sp>
-    </p:spTree>
-  </p:cSld>
-  <p:clrMapOvr>
-    <a:masterClrMapping/>
-  </p:clrMapOvr>
-</p:notes>
-</file>
-
-<file path=ppt/notesSlides/notesSlide7.xml><?xml version="1.0" encoding="utf-8"?>
-<p:notes xmlns:a="http://schemas.openxmlformats.org/drawingml/2006/main" xmlns:r="http://schemas.openxmlformats.org/officeDocument/2006/relationships" xmlns:p="http://schemas.openxmlformats.org/presentationml/2006/main" showMasterSp="0" showMasterPhAnim="0">
-  <p:cSld>
-    <p:spTree>
-      <p:nvGrpSpPr>
-        <p:cNvPr id="1" name="Shape 168"/>
-        <p:cNvGrpSpPr/>
-        <p:nvPr/>
-      </p:nvGrpSpPr>
-      <p:grpSpPr>
-        <a:xfrm>
-          <a:off x="0" y="0"/>
-          <a:ext cx="0" cy="0"/>
-          <a:chOff x="0" y="0"/>
-          <a:chExt cx="0" cy="0"/>
-        </a:xfrm>
-      </p:grpSpPr>
-      <p:sp>
-        <p:nvSpPr>
-          <p:cNvPr id="169" name="Google Shape;169;g7791ec946c_0_15:notes"/>
-          <p:cNvSpPr txBox="1">
-            <a:spLocks noGrp="1"/>
-          </p:cNvSpPr>
-          <p:nvPr>
-            <p:ph type="body" idx="1"/>
-          </p:nvPr>
-        </p:nvSpPr>
-        <p:spPr>
-          <a:xfrm>
-            <a:off x="685800" y="4400550"/>
-            <a:ext cx="5486400" cy="3600600"/>
-          </a:xfrm>
-          <a:prstGeom prst="rect">
-            <a:avLst/>
-          </a:prstGeom>
-        </p:spPr>
-        <p:txBody>
-          <a:bodyPr spcFirstLastPara="1" wrap="square" lIns="91425" tIns="91425" rIns="91425" bIns="91425" anchor="t" anchorCtr="0">
-            <a:noAutofit/>
-          </a:bodyPr>
-          <a:lstStyle/>
-          <a:p>
-            <a:pPr marL="0" lvl="0" indent="0" algn="l" rtl="0">
-              <a:spcBef>
-                <a:spcPts val="0"/>
-              </a:spcBef>
-              <a:spcAft>
-                <a:spcPts val="0"/>
-              </a:spcAft>
-              <a:buNone/>
-            </a:pPr>
-            <a:endParaRPr/>
-          </a:p>
-        </p:txBody>
-      </p:sp>
-      <p:sp>
-        <p:nvSpPr>
-          <p:cNvPr id="170" name="Google Shape;170;g7791ec946c_0_15:notes"/>
-          <p:cNvSpPr>
-            <a:spLocks noGrp="1" noRot="1" noChangeAspect="1"/>
-          </p:cNvSpPr>
-          <p:nvPr>
-            <p:ph type="sldImg" idx="2"/>
-          </p:nvPr>
-        </p:nvSpPr>
-        <p:spPr>
-          <a:xfrm>
-            <a:off x="685800" y="1143000"/>
-            <a:ext cx="5486400" cy="3086100"/>
-          </a:xfrm>
-          <a:custGeom>
-            <a:avLst/>
-            <a:gdLst/>
-            <a:ahLst/>
-            <a:cxnLst/>
-            <a:rect l="l" t="t" r="r" b="b"/>
-            <a:pathLst>
-              <a:path w="120000" h="120000" extrusionOk="0">
-                <a:moveTo>
-                  <a:pt x="0" y="0"/>
-                </a:moveTo>
-                <a:lnTo>
-                  <a:pt x="120000" y="0"/>
-                </a:lnTo>
-                <a:lnTo>
-                  <a:pt x="120000" y="120000"/>
-                </a:lnTo>
-                <a:lnTo>
-                  <a:pt x="0" y="120000"/>
-                </a:lnTo>
-                <a:close/>
-              </a:path>
-            </a:pathLst>
-          </a:custGeom>
-        </p:spPr>
-      </p:sp>
-    </p:spTree>
-  </p:cSld>
-  <p:clrMapOvr>
-    <a:masterClrMapping/>
-  </p:clrMapOvr>
-</p:notes>
-</file>
-
-<file path=ppt/notesSlides/notesSlide8.xml><?xml version="1.0" encoding="utf-8"?>
-<p:notes xmlns:a="http://schemas.openxmlformats.org/drawingml/2006/main" xmlns:r="http://schemas.openxmlformats.org/officeDocument/2006/relationships" xmlns:p="http://schemas.openxmlformats.org/presentationml/2006/main" showMasterSp="0" showMasterPhAnim="0">
-  <p:cSld>
-    <p:spTree>
-      <p:nvGrpSpPr>
-        <p:cNvPr id="1" name="Shape 182"/>
-        <p:cNvGrpSpPr/>
-        <p:nvPr/>
-      </p:nvGrpSpPr>
-      <p:grpSpPr>
-        <a:xfrm>
-          <a:off x="0" y="0"/>
-          <a:ext cx="0" cy="0"/>
-          <a:chOff x="0" y="0"/>
-          <a:chExt cx="0" cy="0"/>
-        </a:xfrm>
-      </p:grpSpPr>
-      <p:sp>
-        <p:nvSpPr>
-          <p:cNvPr id="183" name="Google Shape;183;g7791ec946c_0_45:notes"/>
-          <p:cNvSpPr txBox="1">
-            <a:spLocks noGrp="1"/>
-          </p:cNvSpPr>
-          <p:nvPr>
-            <p:ph type="body" idx="1"/>
-          </p:nvPr>
-        </p:nvSpPr>
-        <p:spPr>
-          <a:xfrm>
-            <a:off x="685800" y="4400550"/>
-            <a:ext cx="5486400" cy="3600600"/>
-          </a:xfrm>
-          <a:prstGeom prst="rect">
-            <a:avLst/>
-          </a:prstGeom>
-        </p:spPr>
-        <p:txBody>
-          <a:bodyPr spcFirstLastPara="1" wrap="square" lIns="91425" tIns="91425" rIns="91425" bIns="91425" anchor="t" anchorCtr="0">
-            <a:noAutofit/>
-          </a:bodyPr>
-          <a:lstStyle/>
-          <a:p>
-            <a:pPr marL="0" lvl="0" indent="0" algn="l" rtl="0">
-              <a:spcBef>
-                <a:spcPts val="0"/>
-              </a:spcBef>
-              <a:spcAft>
-                <a:spcPts val="0"/>
-              </a:spcAft>
-              <a:buNone/>
-            </a:pPr>
-            <a:endParaRPr/>
-          </a:p>
-        </p:txBody>
-      </p:sp>
-      <p:sp>
-        <p:nvSpPr>
-          <p:cNvPr id="184" name="Google Shape;184;g7791ec946c_0_45:notes"/>
-          <p:cNvSpPr>
-            <a:spLocks noGrp="1" noRot="1" noChangeAspect="1"/>
-          </p:cNvSpPr>
-          <p:nvPr>
-            <p:ph type="sldImg" idx="2"/>
-          </p:nvPr>
-        </p:nvSpPr>
-        <p:spPr>
-          <a:xfrm>
-            <a:off x="685800" y="1143000"/>
-            <a:ext cx="5486400" cy="3086100"/>
-          </a:xfrm>
-          <a:custGeom>
-            <a:avLst/>
-            <a:gdLst/>
-            <a:ahLst/>
-            <a:cxnLst/>
-            <a:rect l="l" t="t" r="r" b="b"/>
-            <a:pathLst>
-              <a:path w="120000" h="120000" extrusionOk="0">
-                <a:moveTo>
-                  <a:pt x="0" y="0"/>
-                </a:moveTo>
-                <a:lnTo>
-                  <a:pt x="120000" y="0"/>
-                </a:lnTo>
-                <a:lnTo>
-                  <a:pt x="120000" y="120000"/>
-                </a:lnTo>
-                <a:lnTo>
-                  <a:pt x="0" y="120000"/>
-                </a:lnTo>
-                <a:close/>
-              </a:path>
-            </a:pathLst>
-          </a:custGeom>
-        </p:spPr>
-      </p:sp>
-    </p:spTree>
-  </p:cSld>
-  <p:clrMapOvr>
-    <a:masterClrMapping/>
-  </p:clrMapOvr>
-</p:notes>
-</file>
-
-<file path=ppt/notesSlides/notesSlide9.xml><?xml version="1.0" encoding="utf-8"?>
-<p:notes xmlns:a="http://schemas.openxmlformats.org/drawingml/2006/main" xmlns:r="http://schemas.openxmlformats.org/officeDocument/2006/relationships" xmlns:p="http://schemas.openxmlformats.org/presentationml/2006/main" showMasterSp="0" showMasterPhAnim="0">
-  <p:cSld>
-    <p:spTree>
-      <p:nvGrpSpPr>
-        <p:cNvPr id="1" name="Shape 189"/>
-        <p:cNvGrpSpPr/>
-        <p:nvPr/>
-      </p:nvGrpSpPr>
-      <p:grpSpPr>
-        <a:xfrm>
-          <a:off x="0" y="0"/>
-          <a:ext cx="0" cy="0"/>
-          <a:chOff x="0" y="0"/>
-          <a:chExt cx="0" cy="0"/>
-        </a:xfrm>
-      </p:grpSpPr>
-      <p:sp>
-        <p:nvSpPr>
-          <p:cNvPr id="190" name="Google Shape;190;g7791ec946c_0_40:notes"/>
-          <p:cNvSpPr txBox="1">
-            <a:spLocks noGrp="1"/>
-          </p:cNvSpPr>
-          <p:nvPr>
-            <p:ph type="body" idx="1"/>
-          </p:nvPr>
-        </p:nvSpPr>
-        <p:spPr>
-          <a:xfrm>
-            <a:off x="685800" y="4400550"/>
-            <a:ext cx="5486400" cy="3600600"/>
-          </a:xfrm>
-          <a:prstGeom prst="rect">
-            <a:avLst/>
-          </a:prstGeom>
-        </p:spPr>
-        <p:txBody>
-          <a:bodyPr spcFirstLastPara="1" wrap="square" lIns="91425" tIns="91425" rIns="91425" bIns="91425" anchor="t" anchorCtr="0">
-            <a:noAutofit/>
-          </a:bodyPr>
-          <a:lstStyle/>
-          <a:p>
-            <a:pPr marL="0" lvl="0" indent="0" algn="l" rtl="0">
-              <a:spcBef>
-                <a:spcPts val="0"/>
-              </a:spcBef>
-              <a:spcAft>
-                <a:spcPts val="0"/>
-              </a:spcAft>
-              <a:buNone/>
-            </a:pPr>
-            <a:endParaRPr/>
-          </a:p>
-        </p:txBody>
-      </p:sp>
-      <p:sp>
-        <p:nvSpPr>
-          <p:cNvPr id="191" name="Google Shape;191;g7791ec946c_0_40:notes"/>
-          <p:cNvSpPr>
-            <a:spLocks noGrp="1" noRot="1" noChangeAspect="1"/>
-          </p:cNvSpPr>
-          <p:nvPr>
-            <p:ph type="sldImg" idx="2"/>
-          </p:nvPr>
-        </p:nvSpPr>
-        <p:spPr>
-          <a:xfrm>
-            <a:off x="685800" y="1143000"/>
-            <a:ext cx="5486400" cy="3086100"/>
-          </a:xfrm>
-          <a:custGeom>
-            <a:avLst/>
-            <a:gdLst/>
-            <a:ahLst/>
-            <a:cxnLst/>
-            <a:rect l="l" t="t" r="r" b="b"/>
-            <a:pathLst>
-              <a:path w="120000" h="120000" extrusionOk="0">
-                <a:moveTo>
-                  <a:pt x="0" y="0"/>
-                </a:moveTo>
-                <a:lnTo>
-                  <a:pt x="120000" y="0"/>
-                </a:lnTo>
-                <a:lnTo>
-                  <a:pt x="120000" y="120000"/>
-                </a:lnTo>
-                <a:lnTo>
-                  <a:pt x="0" y="120000"/>
-                </a:lnTo>
-                <a:close/>
-              </a:path>
-            </a:pathLst>
-          </a:custGeom>
-        </p:spPr>
       </p:sp>
     </p:spTree>
   </p:cSld>
@@ -17260,184 +17155,6 @@
 </p:sld>
 </file>
 
-<file path=ppt/slides/slide10.xml><?xml version="1.0" encoding="utf-8"?>
-<p:sld xmlns:a="http://schemas.openxmlformats.org/drawingml/2006/main" xmlns:r="http://schemas.openxmlformats.org/officeDocument/2006/relationships" xmlns:p="http://schemas.openxmlformats.org/presentationml/2006/main">
-  <p:cSld>
-    <p:bg>
-      <p:bgPr>
-        <a:blipFill>
-          <a:blip r:embed="rId3">
-            <a:alphaModFix/>
-          </a:blip>
-          <a:stretch>
-            <a:fillRect/>
-          </a:stretch>
-        </a:blipFill>
-        <a:effectLst/>
-      </p:bgPr>
-    </p:bg>
-    <p:spTree>
-      <p:nvGrpSpPr>
-        <p:cNvPr id="1" name="Shape 200"/>
-        <p:cNvGrpSpPr/>
-        <p:nvPr/>
-      </p:nvGrpSpPr>
-      <p:grpSpPr>
-        <a:xfrm>
-          <a:off x="0" y="0"/>
-          <a:ext cx="0" cy="0"/>
-          <a:chOff x="0" y="0"/>
-          <a:chExt cx="0" cy="0"/>
-        </a:xfrm>
-      </p:grpSpPr>
-      <p:sp>
-        <p:nvSpPr>
-          <p:cNvPr id="201" name="Google Shape;201;p35"/>
-          <p:cNvSpPr txBox="1"/>
-          <p:nvPr/>
-        </p:nvSpPr>
-        <p:spPr>
-          <a:xfrm>
-            <a:off x="2310629" y="1494926"/>
-            <a:ext cx="4676700" cy="1618200"/>
-          </a:xfrm>
-          <a:prstGeom prst="rect">
-            <a:avLst/>
-          </a:prstGeom>
-          <a:noFill/>
-          <a:ln>
-            <a:noFill/>
-          </a:ln>
-        </p:spPr>
-        <p:txBody>
-          <a:bodyPr spcFirstLastPara="1" wrap="square" lIns="68575" tIns="34275" rIns="68575" bIns="34275" anchor="ctr" anchorCtr="0">
-            <a:noAutofit/>
-          </a:bodyPr>
-          <a:lstStyle/>
-          <a:p>
-            <a:pPr marL="0" marR="0" lvl="0" indent="0" algn="ctr" rtl="0">
-              <a:lnSpc>
-                <a:spcPct val="90000"/>
-              </a:lnSpc>
-              <a:spcBef>
-                <a:spcPts val="0"/>
-              </a:spcBef>
-              <a:spcAft>
-                <a:spcPts val="0"/>
-              </a:spcAft>
-              <a:buClr>
-                <a:srgbClr val="222A35"/>
-              </a:buClr>
-              <a:buSzPts val="3300"/>
-              <a:buFont typeface="Roboto"/>
-              <a:buNone/>
-            </a:pPr>
-            <a:r>
-              <a:rPr lang="ru" sz="3300" dirty="0">
-                <a:solidFill>
-                  <a:srgbClr val="222A35"/>
-                </a:solidFill>
-                <a:latin typeface="Roboto"/>
-                <a:ea typeface="Roboto"/>
-                <a:cs typeface="Roboto"/>
-                <a:sym typeface="Roboto"/>
-              </a:rPr>
-              <a:t>Спасибо за внимание! </a:t>
-            </a:r>
-            <a:endParaRPr sz="3300" dirty="0">
-              <a:solidFill>
-                <a:srgbClr val="222A35"/>
-              </a:solidFill>
-              <a:latin typeface="Quattrocento Sans"/>
-              <a:ea typeface="Quattrocento Sans"/>
-              <a:cs typeface="Quattrocento Sans"/>
-              <a:sym typeface="Quattrocento Sans"/>
-            </a:endParaRPr>
-          </a:p>
-          <a:p>
-            <a:pPr marL="0" marR="0" lvl="0" indent="0" algn="l" rtl="0">
-              <a:lnSpc>
-                <a:spcPct val="90000"/>
-              </a:lnSpc>
-              <a:spcBef>
-                <a:spcPts val="0"/>
-              </a:spcBef>
-              <a:spcAft>
-                <a:spcPts val="0"/>
-              </a:spcAft>
-              <a:buClr>
-                <a:srgbClr val="222A35"/>
-              </a:buClr>
-              <a:buSzPts val="3300"/>
-              <a:buFont typeface="Roboto"/>
-              <a:buNone/>
-            </a:pPr>
-            <a:endParaRPr sz="3300" dirty="0">
-              <a:solidFill>
-                <a:srgbClr val="222A35"/>
-              </a:solidFill>
-              <a:latin typeface="Roboto"/>
-              <a:ea typeface="Roboto"/>
-              <a:cs typeface="Roboto"/>
-              <a:sym typeface="Roboto"/>
-            </a:endParaRPr>
-          </a:p>
-        </p:txBody>
-      </p:sp>
-      <p:sp>
-        <p:nvSpPr>
-          <p:cNvPr id="203" name="Google Shape;203;p35"/>
-          <p:cNvSpPr txBox="1"/>
-          <p:nvPr/>
-        </p:nvSpPr>
-        <p:spPr>
-          <a:xfrm>
-            <a:off x="301699" y="135566"/>
-            <a:ext cx="653903" cy="577081"/>
-          </a:xfrm>
-          <a:prstGeom prst="rect">
-            <a:avLst/>
-          </a:prstGeom>
-          <a:noFill/>
-          <a:ln>
-            <a:noFill/>
-          </a:ln>
-        </p:spPr>
-        <p:txBody>
-          <a:bodyPr spcFirstLastPara="1" wrap="square" lIns="68575" tIns="34275" rIns="68575" bIns="34275" anchor="t" anchorCtr="0">
-            <a:noAutofit/>
-          </a:bodyPr>
-          <a:lstStyle/>
-          <a:p>
-            <a:pPr marL="0" marR="0" lvl="0" indent="0" algn="l" rtl="0">
-              <a:spcBef>
-                <a:spcPts val="0"/>
-              </a:spcBef>
-              <a:spcAft>
-                <a:spcPts val="0"/>
-              </a:spcAft>
-              <a:buNone/>
-            </a:pPr>
-            <a:endParaRPr sz="3300">
-              <a:solidFill>
-                <a:schemeClr val="lt1"/>
-              </a:solidFill>
-              <a:latin typeface="Roboto"/>
-              <a:ea typeface="Roboto"/>
-              <a:cs typeface="Roboto"/>
-              <a:sym typeface="Roboto"/>
-            </a:endParaRPr>
-          </a:p>
-        </p:txBody>
-      </p:sp>
-    </p:spTree>
-  </p:cSld>
-  <p:clrMapOvr>
-    <a:masterClrMapping/>
-  </p:clrMapOvr>
-</p:sld>
-</file>
-
 <file path=ppt/slides/slide2.xml><?xml version="1.0" encoding="utf-8"?>
 <p:sld xmlns:a="http://schemas.openxmlformats.org/drawingml/2006/main" xmlns:r="http://schemas.openxmlformats.org/officeDocument/2006/relationships" xmlns:p="http://schemas.openxmlformats.org/presentationml/2006/main">
   <p:cSld>
@@ -17895,7 +17612,7 @@
         </p:nvSpPr>
         <p:spPr>
           <a:xfrm>
-            <a:off x="1449674" y="1296500"/>
+            <a:off x="1167287" y="985215"/>
             <a:ext cx="7370475" cy="3300900"/>
           </a:xfrm>
           <a:prstGeom prst="rect">
@@ -17912,7 +17629,7 @@
           </a:bodyPr>
           <a:lstStyle/>
           <a:p>
-            <a:pPr lvl="0"/>
+            <a:pPr lvl="0" algn="just"/>
             <a:r>
               <a:rPr lang="ru-RU" dirty="0"/>
               <a:t>Заданы два текстовых файла, содержащих трековые данные воздушных </a:t>
@@ -17944,7 +17661,7 @@
             <a:endParaRPr lang="ru-RU" dirty="0" smtClean="0"/>
           </a:p>
           <a:p>
-            <a:pPr lvl="0"/>
+            <a:pPr lvl="0" algn="just"/>
             <a:r>
               <a:rPr lang="ru-RU" dirty="0" smtClean="0"/>
               <a:t>Каждая </a:t>
@@ -17972,7 +17689,7 @@
             <a:endParaRPr lang="en-US" dirty="0" smtClean="0"/>
           </a:p>
           <a:p>
-            <a:pPr lvl="0"/>
+            <a:pPr lvl="0" algn="just"/>
             <a:r>
               <a:rPr lang="ru-RU" dirty="0"/>
               <a:t>Требуется построить алгоритм и ПО, способное классифицировать множество поступающих в него трековых данных на два множества – трековые данные, пригодные для дальнейшего использования, и трековые данные с ошибками. </a:t>
@@ -18341,7 +18058,7 @@
           <a:lstStyle/>
           <a:p>
             <a:r>
-              <a:rPr lang="ru" sz="3300">
+              <a:rPr lang="ru" sz="3300" dirty="0">
                 <a:solidFill>
                   <a:srgbClr val="FFFFFF"/>
                 </a:solidFill>
@@ -18350,9 +18067,9 @@
                 <a:cs typeface="Roboto"/>
                 <a:sym typeface="Roboto"/>
               </a:rPr>
-              <a:t>3</a:t>
+              <a:t>4</a:t>
             </a:r>
-            <a:endParaRPr sz="3300">
+            <a:endParaRPr sz="3300" dirty="0">
               <a:solidFill>
                 <a:srgbClr val="FFFFFF"/>
               </a:solidFill>
@@ -18712,7 +18429,7 @@
         </p:nvSpPr>
         <p:spPr>
           <a:xfrm>
-            <a:off x="1449675" y="1296500"/>
+            <a:off x="1203241" y="852375"/>
             <a:ext cx="5662800" cy="1587900"/>
           </a:xfrm>
           <a:prstGeom prst="rect">
@@ -19108,7 +18825,7 @@
               <a:buNone/>
             </a:pPr>
             <a:r>
-              <a:rPr lang="ru" sz="3300">
+              <a:rPr lang="ru-RU" sz="3300" dirty="0" smtClean="0">
                 <a:solidFill>
                   <a:schemeClr val="lt1"/>
                 </a:solidFill>
@@ -19117,9 +18834,9 @@
                 <a:cs typeface="Roboto"/>
                 <a:sym typeface="Roboto"/>
               </a:rPr>
-              <a:t>4</a:t>
+              <a:t>7</a:t>
             </a:r>
-            <a:endParaRPr sz="3300">
+            <a:endParaRPr sz="3300" dirty="0">
               <a:solidFill>
                 <a:schemeClr val="lt1"/>
               </a:solidFill>
@@ -19269,336 +18986,6 @@
     </p:bg>
     <p:spTree>
       <p:nvGrpSpPr>
-        <p:cNvPr id="1" name="Shape 185"/>
-        <p:cNvGrpSpPr/>
-        <p:nvPr/>
-      </p:nvGrpSpPr>
-      <p:grpSpPr>
-        <a:xfrm>
-          <a:off x="0" y="0"/>
-          <a:ext cx="0" cy="0"/>
-          <a:chOff x="0" y="0"/>
-          <a:chExt cx="0" cy="0"/>
-        </a:xfrm>
-      </p:grpSpPr>
-      <p:sp>
-        <p:nvSpPr>
-          <p:cNvPr id="186" name="Google Shape;186;p33"/>
-          <p:cNvSpPr txBox="1"/>
-          <p:nvPr/>
-        </p:nvSpPr>
-        <p:spPr>
-          <a:xfrm>
-            <a:off x="301699" y="135566"/>
-            <a:ext cx="654000" cy="577200"/>
-          </a:xfrm>
-          <a:prstGeom prst="rect">
-            <a:avLst/>
-          </a:prstGeom>
-          <a:noFill/>
-          <a:ln>
-            <a:noFill/>
-          </a:ln>
-        </p:spPr>
-        <p:txBody>
-          <a:bodyPr spcFirstLastPara="1" wrap="square" lIns="68575" tIns="34275" rIns="68575" bIns="34275" anchor="t" anchorCtr="0">
-            <a:noAutofit/>
-          </a:bodyPr>
-          <a:lstStyle/>
-          <a:p>
-            <a:pPr marL="0" marR="0" lvl="0" indent="0" algn="l" rtl="0">
-              <a:spcBef>
-                <a:spcPts val="0"/>
-              </a:spcBef>
-              <a:spcAft>
-                <a:spcPts val="0"/>
-              </a:spcAft>
-              <a:buNone/>
-            </a:pPr>
-            <a:r>
-              <a:rPr lang="ru" sz="3300" dirty="0">
-                <a:solidFill>
-                  <a:schemeClr val="lt1"/>
-                </a:solidFill>
-                <a:latin typeface="Roboto"/>
-                <a:ea typeface="Roboto"/>
-                <a:cs typeface="Roboto"/>
-                <a:sym typeface="Roboto"/>
-              </a:rPr>
-              <a:t>6</a:t>
-            </a:r>
-            <a:endParaRPr sz="3300" dirty="0">
-              <a:solidFill>
-                <a:schemeClr val="lt1"/>
-              </a:solidFill>
-              <a:latin typeface="Roboto"/>
-              <a:ea typeface="Roboto"/>
-              <a:cs typeface="Roboto"/>
-              <a:sym typeface="Roboto"/>
-            </a:endParaRPr>
-          </a:p>
-        </p:txBody>
-      </p:sp>
-      <p:sp>
-        <p:nvSpPr>
-          <p:cNvPr id="187" name="Google Shape;187;p33"/>
-          <p:cNvSpPr txBox="1"/>
-          <p:nvPr/>
-        </p:nvSpPr>
-        <p:spPr>
-          <a:xfrm>
-            <a:off x="1065775" y="235575"/>
-            <a:ext cx="7573500" cy="616800"/>
-          </a:xfrm>
-          <a:prstGeom prst="rect">
-            <a:avLst/>
-          </a:prstGeom>
-          <a:noFill/>
-          <a:ln>
-            <a:noFill/>
-          </a:ln>
-        </p:spPr>
-        <p:txBody>
-          <a:bodyPr spcFirstLastPara="1" wrap="square" lIns="91425" tIns="91425" rIns="91425" bIns="91425" anchor="t" anchorCtr="0">
-            <a:noAutofit/>
-          </a:bodyPr>
-          <a:lstStyle/>
-          <a:p>
-            <a:pPr marL="0" lvl="0" indent="0" algn="ctr" rtl="0">
-              <a:spcBef>
-                <a:spcPts val="0"/>
-              </a:spcBef>
-              <a:spcAft>
-                <a:spcPts val="0"/>
-              </a:spcAft>
-              <a:buNone/>
-            </a:pPr>
-            <a:r>
-              <a:rPr lang="ru" sz="3100">
-                <a:solidFill>
-                  <a:schemeClr val="dk1"/>
-                </a:solidFill>
-                <a:latin typeface="Calibri"/>
-                <a:ea typeface="Calibri"/>
-                <a:cs typeface="Calibri"/>
-                <a:sym typeface="Calibri"/>
-              </a:rPr>
-              <a:t>Потенциал решения</a:t>
-            </a:r>
-            <a:endParaRPr sz="900">
-              <a:solidFill>
-                <a:schemeClr val="dk1"/>
-              </a:solidFill>
-              <a:latin typeface="Gill Sans"/>
-              <a:ea typeface="Gill Sans"/>
-              <a:cs typeface="Gill Sans"/>
-              <a:sym typeface="Gill Sans"/>
-            </a:endParaRPr>
-          </a:p>
-        </p:txBody>
-      </p:sp>
-      <p:sp>
-        <p:nvSpPr>
-          <p:cNvPr id="188" name="Google Shape;188;p33"/>
-          <p:cNvSpPr txBox="1"/>
-          <p:nvPr/>
-        </p:nvSpPr>
-        <p:spPr>
-          <a:xfrm>
-            <a:off x="1449675" y="1296500"/>
-            <a:ext cx="5662800" cy="1587900"/>
-          </a:xfrm>
-          <a:prstGeom prst="rect">
-            <a:avLst/>
-          </a:prstGeom>
-          <a:noFill/>
-          <a:ln>
-            <a:noFill/>
-          </a:ln>
-        </p:spPr>
-        <p:txBody>
-          <a:bodyPr spcFirstLastPara="1" wrap="square" lIns="91425" tIns="91425" rIns="91425" bIns="91425" anchor="t" anchorCtr="0">
-            <a:noAutofit/>
-          </a:bodyPr>
-          <a:lstStyle/>
-          <a:p>
-            <a:pPr marL="0" lvl="0" indent="0" algn="l" rtl="0">
-              <a:spcBef>
-                <a:spcPts val="0"/>
-              </a:spcBef>
-              <a:spcAft>
-                <a:spcPts val="0"/>
-              </a:spcAft>
-              <a:buNone/>
-            </a:pPr>
-            <a:r>
-              <a:rPr lang="ru" dirty="0"/>
-              <a:t>Описание следующих шагов развития продукта</a:t>
-            </a:r>
-            <a:endParaRPr dirty="0"/>
-          </a:p>
-          <a:p>
-            <a:pPr marL="0" lvl="0" indent="0" algn="l" rtl="0">
-              <a:spcBef>
-                <a:spcPts val="0"/>
-              </a:spcBef>
-              <a:spcAft>
-                <a:spcPts val="0"/>
-              </a:spcAft>
-              <a:buNone/>
-            </a:pPr>
-            <a:endParaRPr dirty="0"/>
-          </a:p>
-          <a:p>
-            <a:pPr marL="0" lvl="0" indent="0" algn="l" rtl="0">
-              <a:spcBef>
-                <a:spcPts val="0"/>
-              </a:spcBef>
-              <a:spcAft>
-                <a:spcPts val="0"/>
-              </a:spcAft>
-              <a:buNone/>
-            </a:pPr>
-            <a:r>
-              <a:rPr lang="ru" dirty="0"/>
-              <a:t>Шаг 1. </a:t>
-            </a:r>
-            <a:endParaRPr dirty="0"/>
-          </a:p>
-          <a:p>
-            <a:pPr marL="0" lvl="0" indent="0" algn="l" rtl="0">
-              <a:spcBef>
-                <a:spcPts val="0"/>
-              </a:spcBef>
-              <a:spcAft>
-                <a:spcPts val="0"/>
-              </a:spcAft>
-              <a:buNone/>
-            </a:pPr>
-            <a:endParaRPr dirty="0"/>
-          </a:p>
-          <a:p>
-            <a:pPr marL="0" lvl="0" indent="0" algn="l" rtl="0">
-              <a:spcBef>
-                <a:spcPts val="0"/>
-              </a:spcBef>
-              <a:spcAft>
-                <a:spcPts val="0"/>
-              </a:spcAft>
-              <a:buNone/>
-            </a:pPr>
-            <a:r>
-              <a:rPr lang="ru" dirty="0"/>
-              <a:t>Шаг 2. </a:t>
-            </a:r>
-            <a:endParaRPr dirty="0"/>
-          </a:p>
-          <a:p>
-            <a:pPr marL="0" lvl="0" indent="0" algn="l" rtl="0">
-              <a:spcBef>
-                <a:spcPts val="0"/>
-              </a:spcBef>
-              <a:spcAft>
-                <a:spcPts val="0"/>
-              </a:spcAft>
-              <a:buNone/>
-            </a:pPr>
-            <a:endParaRPr dirty="0"/>
-          </a:p>
-          <a:p>
-            <a:pPr marL="0" lvl="0" indent="0" algn="l" rtl="0">
-              <a:spcBef>
-                <a:spcPts val="0"/>
-              </a:spcBef>
-              <a:spcAft>
-                <a:spcPts val="0"/>
-              </a:spcAft>
-              <a:buNone/>
-            </a:pPr>
-            <a:r>
-              <a:rPr lang="ru" dirty="0"/>
-              <a:t>Шаг 3. </a:t>
-            </a:r>
-            <a:endParaRPr dirty="0"/>
-          </a:p>
-          <a:p>
-            <a:pPr marL="0" lvl="0" indent="0" algn="l" rtl="0">
-              <a:spcBef>
-                <a:spcPts val="0"/>
-              </a:spcBef>
-              <a:spcAft>
-                <a:spcPts val="0"/>
-              </a:spcAft>
-              <a:buNone/>
-            </a:pPr>
-            <a:endParaRPr dirty="0"/>
-          </a:p>
-          <a:p>
-            <a:pPr marL="0" lvl="0" indent="0" algn="l" rtl="0">
-              <a:spcBef>
-                <a:spcPts val="0"/>
-              </a:spcBef>
-              <a:spcAft>
-                <a:spcPts val="0"/>
-              </a:spcAft>
-              <a:buClr>
-                <a:schemeClr val="dk1"/>
-              </a:buClr>
-              <a:buSzPts val="1100"/>
-              <a:buFont typeface="Arial"/>
-              <a:buNone/>
-            </a:pPr>
-            <a:r>
-              <a:rPr lang="ru" dirty="0"/>
-              <a:t>...</a:t>
-            </a:r>
-            <a:endParaRPr dirty="0"/>
-          </a:p>
-          <a:p>
-            <a:pPr marL="0" lvl="0" indent="0" algn="l" rtl="0">
-              <a:spcBef>
-                <a:spcPts val="0"/>
-              </a:spcBef>
-              <a:spcAft>
-                <a:spcPts val="0"/>
-              </a:spcAft>
-              <a:buNone/>
-            </a:pPr>
-            <a:endParaRPr dirty="0">
-              <a:latin typeface="Calibri"/>
-              <a:ea typeface="Calibri"/>
-              <a:cs typeface="Calibri"/>
-              <a:sym typeface="Calibri"/>
-            </a:endParaRPr>
-          </a:p>
-        </p:txBody>
-      </p:sp>
-    </p:spTree>
-  </p:cSld>
-  <p:clrMapOvr>
-    <a:masterClrMapping/>
-  </p:clrMapOvr>
-</p:sld>
-</file>
-
-<file path=ppt/slides/slide9.xml><?xml version="1.0" encoding="utf-8"?>
-<p:sld xmlns:a="http://schemas.openxmlformats.org/drawingml/2006/main" xmlns:r="http://schemas.openxmlformats.org/officeDocument/2006/relationships" xmlns:p="http://schemas.openxmlformats.org/presentationml/2006/main">
-  <p:cSld>
-    <p:bg>
-      <p:bgPr>
-        <a:blipFill>
-          <a:blip r:embed="rId3">
-            <a:alphaModFix/>
-          </a:blip>
-          <a:stretch>
-            <a:fillRect/>
-          </a:stretch>
-        </a:blipFill>
-        <a:effectLst/>
-      </p:bgPr>
-    </p:bg>
-    <p:spTree>
-      <p:nvGrpSpPr>
         <p:cNvPr id="1" name="Shape 192"/>
         <p:cNvGrpSpPr/>
         <p:nvPr/>
@@ -19619,7 +19006,7 @@
         </p:nvSpPr>
         <p:spPr>
           <a:xfrm>
-            <a:off x="301699" y="135566"/>
+            <a:off x="301343" y="135566"/>
             <a:ext cx="654000" cy="577200"/>
           </a:xfrm>
           <a:prstGeom prst="rect">
@@ -19646,7 +19033,7 @@
               <a:buNone/>
             </a:pPr>
             <a:r>
-              <a:rPr lang="ru-RU" sz="3300" dirty="0" smtClean="0">
+              <a:rPr lang="ru-RU" sz="3300" dirty="0">
                 <a:solidFill>
                   <a:schemeClr val="lt1"/>
                 </a:solidFill>
@@ -19655,7 +19042,7 @@
                 <a:cs typeface="Roboto"/>
                 <a:sym typeface="Roboto"/>
               </a:rPr>
-              <a:t>7</a:t>
+              <a:t>8</a:t>
             </a:r>
             <a:endParaRPr sz="3300" dirty="0">
               <a:solidFill>
@@ -19727,16 +19114,54 @@
           </a:p>
         </p:txBody>
       </p:sp>
+    </p:spTree>
+  </p:cSld>
+  <p:clrMapOvr>
+    <a:masterClrMapping/>
+  </p:clrMapOvr>
+</p:sld>
+</file>
+
+<file path=ppt/slides/slide9.xml><?xml version="1.0" encoding="utf-8"?>
+<p:sld xmlns:a="http://schemas.openxmlformats.org/drawingml/2006/main" xmlns:r="http://schemas.openxmlformats.org/officeDocument/2006/relationships" xmlns:p="http://schemas.openxmlformats.org/presentationml/2006/main">
+  <p:cSld>
+    <p:bg>
+      <p:bgPr>
+        <a:blipFill>
+          <a:blip r:embed="rId3">
+            <a:alphaModFix/>
+          </a:blip>
+          <a:stretch>
+            <a:fillRect/>
+          </a:stretch>
+        </a:blipFill>
+        <a:effectLst/>
+      </p:bgPr>
+    </p:bg>
+    <p:spTree>
+      <p:nvGrpSpPr>
+        <p:cNvPr id="1" name="Shape 200"/>
+        <p:cNvGrpSpPr/>
+        <p:nvPr/>
+      </p:nvGrpSpPr>
+      <p:grpSpPr>
+        <a:xfrm>
+          <a:off x="0" y="0"/>
+          <a:ext cx="0" cy="0"/>
+          <a:chOff x="0" y="0"/>
+          <a:chExt cx="0" cy="0"/>
+        </a:xfrm>
+      </p:grpSpPr>
       <p:sp>
         <p:nvSpPr>
-          <p:cNvPr id="195" name="Google Shape;195;p34"/>
+          <p:cNvPr id="201" name="Google Shape;201;p35"/>
           <p:cNvSpPr txBox="1"/>
           <p:nvPr/>
         </p:nvSpPr>
         <p:spPr>
           <a:xfrm>
-            <a:off x="1449675" y="1296500"/>
-            <a:ext cx="5662800" cy="1587900"/>
+            <a:off x="2310629" y="1494926"/>
+            <a:ext cx="4676700" cy="1618200"/>
           </a:xfrm>
           <a:prstGeom prst="rect">
             <a:avLst/>
@@ -19747,41 +19172,122 @@
           </a:ln>
         </p:spPr>
         <p:txBody>
-          <a:bodyPr spcFirstLastPara="1" wrap="square" lIns="91425" tIns="91425" rIns="91425" bIns="91425" anchor="t" anchorCtr="0">
+          <a:bodyPr spcFirstLastPara="1" wrap="square" lIns="68575" tIns="34275" rIns="68575" bIns="34275" anchor="ctr" anchorCtr="0">
             <a:noAutofit/>
           </a:bodyPr>
           <a:lstStyle/>
           <a:p>
-            <a:pPr marL="0" lvl="0" indent="0" algn="l" rtl="0">
-              <a:spcBef>
-                <a:spcPts val="0"/>
-              </a:spcBef>
-              <a:spcAft>
-                <a:spcPts val="0"/>
-              </a:spcAft>
+            <a:pPr marL="0" marR="0" lvl="0" indent="0" algn="ctr" rtl="0">
+              <a:lnSpc>
+                <a:spcPct val="90000"/>
+              </a:lnSpc>
+              <a:spcBef>
+                <a:spcPts val="0"/>
+              </a:spcBef>
+              <a:spcAft>
+                <a:spcPts val="0"/>
+              </a:spcAft>
+              <a:buClr>
+                <a:srgbClr val="222A35"/>
+              </a:buClr>
+              <a:buSzPts val="3300"/>
+              <a:buFont typeface="Roboto"/>
               <a:buNone/>
             </a:pPr>
             <a:r>
-              <a:rPr lang="ru"/>
-              <a:t>Демонстрация или видео решения прототипа</a:t>
+              <a:rPr lang="ru" sz="3300" dirty="0">
+                <a:solidFill>
+                  <a:srgbClr val="222A35"/>
+                </a:solidFill>
+                <a:latin typeface="Roboto"/>
+                <a:ea typeface="Roboto"/>
+                <a:cs typeface="Roboto"/>
+                <a:sym typeface="Roboto"/>
+              </a:rPr>
+              <a:t>Спасибо за внимание! </a:t>
             </a:r>
-            <a:endParaRPr/>
+            <a:endParaRPr sz="3300" dirty="0">
+              <a:solidFill>
+                <a:srgbClr val="222A35"/>
+              </a:solidFill>
+              <a:latin typeface="Quattrocento Sans"/>
+              <a:ea typeface="Quattrocento Sans"/>
+              <a:cs typeface="Quattrocento Sans"/>
+              <a:sym typeface="Quattrocento Sans"/>
+            </a:endParaRPr>
           </a:p>
           <a:p>
-            <a:pPr marL="0" lvl="0" indent="0" algn="l" rtl="0">
-              <a:spcBef>
-                <a:spcPts val="0"/>
-              </a:spcBef>
-              <a:spcAft>
-                <a:spcPts val="0"/>
-              </a:spcAft>
+            <a:pPr marL="0" marR="0" lvl="0" indent="0" algn="l" rtl="0">
+              <a:lnSpc>
+                <a:spcPct val="90000"/>
+              </a:lnSpc>
+              <a:spcBef>
+                <a:spcPts val="0"/>
+              </a:spcBef>
+              <a:spcAft>
+                <a:spcPts val="0"/>
+              </a:spcAft>
+              <a:buClr>
+                <a:srgbClr val="222A35"/>
+              </a:buClr>
+              <a:buSzPts val="3300"/>
+              <a:buFont typeface="Roboto"/>
               <a:buNone/>
             </a:pPr>
-            <a:endParaRPr>
-              <a:latin typeface="Calibri"/>
-              <a:ea typeface="Calibri"/>
-              <a:cs typeface="Calibri"/>
-              <a:sym typeface="Calibri"/>
+            <a:endParaRPr sz="3300" dirty="0">
+              <a:solidFill>
+                <a:srgbClr val="222A35"/>
+              </a:solidFill>
+              <a:latin typeface="Roboto"/>
+              <a:ea typeface="Roboto"/>
+              <a:cs typeface="Roboto"/>
+              <a:sym typeface="Roboto"/>
+            </a:endParaRPr>
+          </a:p>
+        </p:txBody>
+      </p:sp>
+      <p:sp>
+        <p:nvSpPr>
+          <p:cNvPr id="203" name="Google Shape;203;p35"/>
+          <p:cNvSpPr txBox="1"/>
+          <p:nvPr/>
+        </p:nvSpPr>
+        <p:spPr>
+          <a:xfrm>
+            <a:off x="301699" y="135566"/>
+            <a:ext cx="653903" cy="577081"/>
+          </a:xfrm>
+          <a:prstGeom prst="rect">
+            <a:avLst/>
+          </a:prstGeom>
+          <a:noFill/>
+          <a:ln>
+            <a:noFill/>
+          </a:ln>
+        </p:spPr>
+        <p:txBody>
+          <a:bodyPr spcFirstLastPara="1" wrap="square" lIns="68575" tIns="34275" rIns="68575" bIns="34275" anchor="t" anchorCtr="0">
+            <a:noAutofit/>
+          </a:bodyPr>
+          <a:lstStyle/>
+          <a:p>
+            <a:pPr marL="0" marR="0" lvl="0" indent="0" algn="l" rtl="0">
+              <a:spcBef>
+                <a:spcPts val="0"/>
+              </a:spcBef>
+              <a:spcAft>
+                <a:spcPts val="0"/>
+              </a:spcAft>
+              <a:buNone/>
+            </a:pPr>
+            <a:endParaRPr sz="3300">
+              <a:solidFill>
+                <a:schemeClr val="lt1"/>
+              </a:solidFill>
+              <a:latin typeface="Roboto"/>
+              <a:ea typeface="Roboto"/>
+              <a:cs typeface="Roboto"/>
+              <a:sym typeface="Roboto"/>
             </a:endParaRPr>
           </a:p>
         </p:txBody>

--- a/Шаблон_Авиахакатон_2021.pptx
+++ b/Шаблон_Авиахакатон_2021.pptx
@@ -30,19 +30,19 @@
       <p:boldItalic r:id="rId16"/>
     </p:embeddedFont>
     <p:embeddedFont>
-      <p:font typeface="Gill Sans" panose="020B0604020202020204" charset="0"/>
+      <p:font typeface="Roboto" panose="020B0604020202020204" charset="0"/>
       <p:regular r:id="rId17"/>
       <p:bold r:id="rId18"/>
+      <p:italic r:id="rId19"/>
+      <p:boldItalic r:id="rId20"/>
+    </p:embeddedFont>
+    <p:embeddedFont>
+      <p:font typeface="Gill Sans" panose="020B0604020202020204" charset="0"/>
+      <p:regular r:id="rId21"/>
+      <p:bold r:id="rId22"/>
     </p:embeddedFont>
     <p:embeddedFont>
       <p:font typeface="Calibri" panose="020F0502020204030204" pitchFamily="34" charset="0"/>
-      <p:regular r:id="rId19"/>
-      <p:bold r:id="rId20"/>
-      <p:italic r:id="rId21"/>
-      <p:boldItalic r:id="rId22"/>
-    </p:embeddedFont>
-    <p:embeddedFont>
-      <p:font typeface="Roboto" panose="020B0604020202020204" charset="0"/>
       <p:regular r:id="rId23"/>
       <p:bold r:id="rId24"/>
       <p:italic r:id="rId25"/>
@@ -280,7 +280,7 @@
   </p:defaultTextStyle>
   <p:extLst>
     <p:ext uri="{EFAFB233-063F-42B5-8137-9DF3F51BA10A}">
-      <p15:sldGuideLst xmlns:p15="http://schemas.microsoft.com/office/powerpoint/2012/main" xmlns="">
+      <p15:sldGuideLst xmlns="" xmlns:p15="http://schemas.microsoft.com/office/powerpoint/2012/main">
         <p15:guide id="1" orient="horz" pos="1620">
           <p15:clr>
             <a:srgbClr val="A4A3A4"/>
@@ -19114,6 +19114,129 @@
           </a:p>
         </p:txBody>
       </p:sp>
+      <p:pic>
+        <p:nvPicPr>
+          <p:cNvPr id="1028" name="Picture 4" descr="https://sun9-14.userapi.com/impg/NgiCq-MuN64gAGBccUXKmhpI1-upkDEo-3wRjg/vMQocIAA7Ck.jpg?size=296x794&amp;quality=96&amp;sign=d66922cf3818c3fe8d06164d723707c2&amp;type=album"/>
+          <p:cNvPicPr>
+            <a:picLocks noChangeAspect="1" noChangeArrowheads="1"/>
+          </p:cNvPicPr>
+          <p:nvPr/>
+        </p:nvPicPr>
+        <p:blipFill>
+          <a:blip r:embed="rId4">
+            <a:extLst>
+              <a:ext uri="{28A0092B-C50C-407E-A947-70E740481C1C}">
+                <a14:useLocalDpi xmlns:a14="http://schemas.microsoft.com/office/drawing/2010/main" val="0"/>
+              </a:ext>
+            </a:extLst>
+          </a:blip>
+          <a:srcRect/>
+          <a:stretch>
+            <a:fillRect/>
+          </a:stretch>
+        </p:blipFill>
+        <p:spPr bwMode="auto">
+          <a:xfrm>
+            <a:off x="133437" y="819963"/>
+            <a:ext cx="1407343" cy="3775104"/>
+          </a:xfrm>
+          <a:prstGeom prst="rect">
+            <a:avLst/>
+          </a:prstGeom>
+          <a:noFill/>
+          <a:extLst>
+            <a:ext uri="{909E8E84-426E-40DD-AFC4-6F175D3DCCD1}">
+              <a14:hiddenFill xmlns:a14="http://schemas.microsoft.com/office/drawing/2010/main">
+                <a:solidFill>
+                  <a:srgbClr val="FFFFFF"/>
+                </a:solidFill>
+              </a14:hiddenFill>
+            </a:ext>
+          </a:extLst>
+        </p:spPr>
+      </p:pic>
+      <p:pic>
+        <p:nvPicPr>
+          <p:cNvPr id="1032" name="Picture 8" descr="https://sun9-65.userapi.com/impg/_PM_QKvLZ2AnAT7ujcHt9LO_-NnKaVoeNfUAaA/vjX6arAs1DQ.jpg?size=1196x725&amp;quality=96&amp;sign=27432f20d722edbfd6bdfd04187a9517&amp;type=album"/>
+          <p:cNvPicPr>
+            <a:picLocks noChangeAspect="1" noChangeArrowheads="1"/>
+          </p:cNvPicPr>
+          <p:nvPr/>
+        </p:nvPicPr>
+        <p:blipFill>
+          <a:blip r:embed="rId5">
+            <a:extLst>
+              <a:ext uri="{28A0092B-C50C-407E-A947-70E740481C1C}">
+                <a14:useLocalDpi xmlns:a14="http://schemas.microsoft.com/office/drawing/2010/main" val="0"/>
+              </a:ext>
+            </a:extLst>
+          </a:blip>
+          <a:srcRect/>
+          <a:stretch>
+            <a:fillRect/>
+          </a:stretch>
+        </p:blipFill>
+        <p:spPr bwMode="auto">
+          <a:xfrm>
+            <a:off x="1685925" y="1434474"/>
+            <a:ext cx="4657772" cy="2823482"/>
+          </a:xfrm>
+          <a:prstGeom prst="rect">
+            <a:avLst/>
+          </a:prstGeom>
+          <a:noFill/>
+          <a:extLst>
+            <a:ext uri="{909E8E84-426E-40DD-AFC4-6F175D3DCCD1}">
+              <a14:hiddenFill xmlns:a14="http://schemas.microsoft.com/office/drawing/2010/main">
+                <a:solidFill>
+                  <a:srgbClr val="FFFFFF"/>
+                </a:solidFill>
+              </a14:hiddenFill>
+            </a:ext>
+          </a:extLst>
+        </p:spPr>
+      </p:pic>
+      <p:pic>
+        <p:nvPicPr>
+          <p:cNvPr id="1034" name="Picture 10" descr="https://sun9-14.userapi.com/impg/NgiCq-MuN64gAGBccUXKmhpI1-upkDEo-3wRjg/vMQocIAA7Ck.jpg?size=296x794&amp;quality=96&amp;sign=d66922cf3818c3fe8d06164d723707c2&amp;type=album"/>
+          <p:cNvPicPr>
+            <a:picLocks noChangeAspect="1" noChangeArrowheads="1"/>
+          </p:cNvPicPr>
+          <p:nvPr/>
+        </p:nvPicPr>
+        <p:blipFill>
+          <a:blip r:embed="rId4">
+            <a:extLst>
+              <a:ext uri="{28A0092B-C50C-407E-A947-70E740481C1C}">
+                <a14:useLocalDpi xmlns:a14="http://schemas.microsoft.com/office/drawing/2010/main" val="0"/>
+              </a:ext>
+            </a:extLst>
+          </a:blip>
+          <a:srcRect/>
+          <a:stretch>
+            <a:fillRect/>
+          </a:stretch>
+        </p:blipFill>
+        <p:spPr bwMode="auto">
+          <a:xfrm>
+            <a:off x="6883109" y="869945"/>
+            <a:ext cx="1473490" cy="3952539"/>
+          </a:xfrm>
+          <a:prstGeom prst="rect">
+            <a:avLst/>
+          </a:prstGeom>
+          <a:noFill/>
+          <a:extLst>
+            <a:ext uri="{909E8E84-426E-40DD-AFC4-6F175D3DCCD1}">
+              <a14:hiddenFill xmlns:a14="http://schemas.microsoft.com/office/drawing/2010/main">
+                <a:solidFill>
+                  <a:srgbClr val="FFFFFF"/>
+                </a:solidFill>
+              </a14:hiddenFill>
+            </a:ext>
+          </a:extLst>
+        </p:spPr>
+      </p:pic>
     </p:spTree>
   </p:cSld>
   <p:clrMapOvr>
